--- a/thesis_presentation.pptx
+++ b/thesis_presentation.pptx
@@ -13,16 +13,16 @@
   <p:sldIdLst>
     <p:sldId id="256" r:id="rId2"/>
     <p:sldId id="287" r:id="rId3"/>
-    <p:sldId id="263" r:id="rId4"/>
-    <p:sldId id="262" r:id="rId5"/>
+    <p:sldId id="262" r:id="rId4"/>
+    <p:sldId id="263" r:id="rId5"/>
     <p:sldId id="258" r:id="rId6"/>
-    <p:sldId id="264" r:id="rId7"/>
-    <p:sldId id="266" r:id="rId8"/>
-    <p:sldId id="269" r:id="rId9"/>
-    <p:sldId id="267" r:id="rId10"/>
-    <p:sldId id="268" r:id="rId11"/>
-    <p:sldId id="272" r:id="rId12"/>
-    <p:sldId id="265" r:id="rId13"/>
+    <p:sldId id="272" r:id="rId7"/>
+    <p:sldId id="265" r:id="rId8"/>
+    <p:sldId id="264" r:id="rId9"/>
+    <p:sldId id="266" r:id="rId10"/>
+    <p:sldId id="269" r:id="rId11"/>
+    <p:sldId id="267" r:id="rId12"/>
+    <p:sldId id="268" r:id="rId13"/>
     <p:sldId id="274" r:id="rId14"/>
     <p:sldId id="275" r:id="rId15"/>
     <p:sldId id="276" r:id="rId16"/>
@@ -3236,47 +3236,6 @@
         </a:p>
       </dgm:t>
     </dgm:pt>
-    <dgm:pt modelId="{5605D28D-2CE6-4513-8566-952984E21E14}">
-      <dgm:prSet phldrT="[Text]"/>
-      <dgm:spPr/>
-      <dgm:t>
-        <a:bodyPr/>
-        <a:lstStyle/>
-        <a:p>
-          <a:pPr>
-            <a:lnSpc>
-              <a:spcPct val="100000"/>
-            </a:lnSpc>
-          </a:pPr>
-          <a:r>
-            <a:rPr lang="en-US" dirty="0"/>
-            <a:t>Magnetic Reluctance Computation Method</a:t>
-          </a:r>
-        </a:p>
-      </dgm:t>
-    </dgm:pt>
-    <dgm:pt modelId="{EB15AB98-362B-4E70-A3DA-995FC3E8BA79}" type="parTrans" cxnId="{FAF3F884-F0CF-440F-8CB1-B7648AB1B138}">
-      <dgm:prSet/>
-      <dgm:spPr/>
-      <dgm:t>
-        <a:bodyPr/>
-        <a:lstStyle/>
-        <a:p>
-          <a:endParaRPr lang="en-US"/>
-        </a:p>
-      </dgm:t>
-    </dgm:pt>
-    <dgm:pt modelId="{823D1971-2C4D-4EC5-A874-2F463DE37109}" type="sibTrans" cxnId="{FAF3F884-F0CF-440F-8CB1-B7648AB1B138}">
-      <dgm:prSet/>
-      <dgm:spPr/>
-      <dgm:t>
-        <a:bodyPr/>
-        <a:lstStyle/>
-        <a:p>
-          <a:endParaRPr lang="en-US"/>
-        </a:p>
-      </dgm:t>
-    </dgm:pt>
     <dgm:pt modelId="{54E80DD8-6819-4B9A-A99F-FC0647AC1253}">
       <dgm:prSet phldrT="[Text]"/>
       <dgm:spPr/>
@@ -3404,7 +3363,7 @@
       <dgm:spPr/>
     </dgm:pt>
     <dgm:pt modelId="{963B8EE3-40CC-4A0A-B420-D0BF920973CE}" type="pres">
-      <dgm:prSet presAssocID="{7E5AA53B-3EEE-4DE4-BB81-9044890C2946}" presName="srcNode" presStyleLbl="node1" presStyleIdx="0" presStyleCnt="6"/>
+      <dgm:prSet presAssocID="{7E5AA53B-3EEE-4DE4-BB81-9044890C2946}" presName="srcNode" presStyleLbl="node1" presStyleIdx="0" presStyleCnt="5"/>
       <dgm:spPr/>
     </dgm:pt>
     <dgm:pt modelId="{D79B43FC-100B-4A0D-A4D5-0D2D04B99064}" type="pres">
@@ -3412,15 +3371,15 @@
       <dgm:spPr/>
     </dgm:pt>
     <dgm:pt modelId="{3CAD8DA1-8D53-445C-ACE8-D8449E4F0F55}" type="pres">
-      <dgm:prSet presAssocID="{7E5AA53B-3EEE-4DE4-BB81-9044890C2946}" presName="extraNode" presStyleLbl="node1" presStyleIdx="0" presStyleCnt="6"/>
+      <dgm:prSet presAssocID="{7E5AA53B-3EEE-4DE4-BB81-9044890C2946}" presName="extraNode" presStyleLbl="node1" presStyleIdx="0" presStyleCnt="5"/>
       <dgm:spPr/>
     </dgm:pt>
     <dgm:pt modelId="{429CABD1-4116-474B-81BF-735E2CA9DD00}" type="pres">
-      <dgm:prSet presAssocID="{7E5AA53B-3EEE-4DE4-BB81-9044890C2946}" presName="dstNode" presStyleLbl="node1" presStyleIdx="0" presStyleCnt="6"/>
+      <dgm:prSet presAssocID="{7E5AA53B-3EEE-4DE4-BB81-9044890C2946}" presName="dstNode" presStyleLbl="node1" presStyleIdx="0" presStyleCnt="5"/>
       <dgm:spPr/>
     </dgm:pt>
     <dgm:pt modelId="{58319267-C71E-43C9-94E1-827D0616C7A7}" type="pres">
-      <dgm:prSet presAssocID="{6750AC01-D39D-4F3A-9DC8-2A211EE986A2}" presName="text_1" presStyleLbl="node1" presStyleIdx="0" presStyleCnt="6">
+      <dgm:prSet presAssocID="{6750AC01-D39D-4F3A-9DC8-2A211EE986A2}" presName="text_1" presStyleLbl="node1" presStyleIdx="0" presStyleCnt="5">
         <dgm:presLayoutVars>
           <dgm:bulletEnabled val="1"/>
         </dgm:presLayoutVars>
@@ -3432,11 +3391,11 @@
       <dgm:spPr/>
     </dgm:pt>
     <dgm:pt modelId="{07CB3071-D555-47DA-A36A-69EB91531FD8}" type="pres">
-      <dgm:prSet presAssocID="{6750AC01-D39D-4F3A-9DC8-2A211EE986A2}" presName="accentRepeatNode" presStyleLbl="solidFgAcc1" presStyleIdx="0" presStyleCnt="6"/>
+      <dgm:prSet presAssocID="{6750AC01-D39D-4F3A-9DC8-2A211EE986A2}" presName="accentRepeatNode" presStyleLbl="solidFgAcc1" presStyleIdx="0" presStyleCnt="5"/>
       <dgm:spPr/>
     </dgm:pt>
     <dgm:pt modelId="{95DE6538-27BD-44AF-A1A8-CA8F6B10FDD2}" type="pres">
-      <dgm:prSet presAssocID="{0BEF68B8-1228-47BB-83B5-7B9CD1E3F84E}" presName="text_2" presStyleLbl="node1" presStyleIdx="1" presStyleCnt="6">
+      <dgm:prSet presAssocID="{0BEF68B8-1228-47BB-83B5-7B9CD1E3F84E}" presName="text_2" presStyleLbl="node1" presStyleIdx="1" presStyleCnt="5">
         <dgm:presLayoutVars>
           <dgm:bulletEnabled val="1"/>
         </dgm:presLayoutVars>
@@ -3448,89 +3407,71 @@
       <dgm:spPr/>
     </dgm:pt>
     <dgm:pt modelId="{3F8116AC-FAC3-4E95-9865-93CCFEB191B9}" type="pres">
-      <dgm:prSet presAssocID="{0BEF68B8-1228-47BB-83B5-7B9CD1E3F84E}" presName="accentRepeatNode" presStyleLbl="solidFgAcc1" presStyleIdx="1" presStyleCnt="6"/>
+      <dgm:prSet presAssocID="{0BEF68B8-1228-47BB-83B5-7B9CD1E3F84E}" presName="accentRepeatNode" presStyleLbl="solidFgAcc1" presStyleIdx="1" presStyleCnt="5"/>
       <dgm:spPr/>
     </dgm:pt>
-    <dgm:pt modelId="{E131CE4A-9776-44F4-BC03-867682E21374}" type="pres">
-      <dgm:prSet presAssocID="{5605D28D-2CE6-4513-8566-952984E21E14}" presName="text_3" presStyleLbl="node1" presStyleIdx="2" presStyleCnt="6">
+    <dgm:pt modelId="{4C595A58-1A51-314B-9F87-4EBB3EC1516D}" type="pres">
+      <dgm:prSet presAssocID="{54E80DD8-6819-4B9A-A99F-FC0647AC1253}" presName="text_3" presStyleLbl="node1" presStyleIdx="2" presStyleCnt="5">
         <dgm:presLayoutVars>
           <dgm:bulletEnabled val="1"/>
         </dgm:presLayoutVars>
       </dgm:prSet>
       <dgm:spPr/>
     </dgm:pt>
-    <dgm:pt modelId="{AC9A216A-8375-48F9-A4E6-8E0B64C0209B}" type="pres">
-      <dgm:prSet presAssocID="{5605D28D-2CE6-4513-8566-952984E21E14}" presName="accent_3" presStyleCnt="0"/>
+    <dgm:pt modelId="{9435B0F6-6A47-1246-A3E6-747CC5C97CDD}" type="pres">
+      <dgm:prSet presAssocID="{54E80DD8-6819-4B9A-A99F-FC0647AC1253}" presName="accent_3" presStyleCnt="0"/>
       <dgm:spPr/>
     </dgm:pt>
-    <dgm:pt modelId="{A965097E-32F1-4AB8-8C4E-2814A7596B2F}" type="pres">
-      <dgm:prSet presAssocID="{5605D28D-2CE6-4513-8566-952984E21E14}" presName="accentRepeatNode" presStyleLbl="solidFgAcc1" presStyleIdx="2" presStyleCnt="6"/>
+    <dgm:pt modelId="{39DE2751-3DD1-40B4-9A01-07CF58FE6477}" type="pres">
+      <dgm:prSet presAssocID="{54E80DD8-6819-4B9A-A99F-FC0647AC1253}" presName="accentRepeatNode" presStyleLbl="solidFgAcc1" presStyleIdx="2" presStyleCnt="5"/>
       <dgm:spPr/>
     </dgm:pt>
-    <dgm:pt modelId="{F7E97CC6-B3C8-43FE-88CC-6D93D26DBE35}" type="pres">
-      <dgm:prSet presAssocID="{54E80DD8-6819-4B9A-A99F-FC0647AC1253}" presName="text_4" presStyleLbl="node1" presStyleIdx="3" presStyleCnt="6">
+    <dgm:pt modelId="{35BF3E13-99B9-7E45-9E47-1D911F615C53}" type="pres">
+      <dgm:prSet presAssocID="{638007FA-50C2-486A-9D6C-9F7E24717FBB}" presName="text_4" presStyleLbl="node1" presStyleIdx="3" presStyleCnt="5">
         <dgm:presLayoutVars>
           <dgm:bulletEnabled val="1"/>
         </dgm:presLayoutVars>
       </dgm:prSet>
       <dgm:spPr/>
     </dgm:pt>
-    <dgm:pt modelId="{938E2B86-AFB3-4869-B768-AD18CA9CD794}" type="pres">
-      <dgm:prSet presAssocID="{54E80DD8-6819-4B9A-A99F-FC0647AC1253}" presName="accent_4" presStyleCnt="0"/>
+    <dgm:pt modelId="{9C2B93BE-8CB7-E248-8667-F67516516821}" type="pres">
+      <dgm:prSet presAssocID="{638007FA-50C2-486A-9D6C-9F7E24717FBB}" presName="accent_4" presStyleCnt="0"/>
       <dgm:spPr/>
     </dgm:pt>
-    <dgm:pt modelId="{39DE2751-3DD1-40B4-9A01-07CF58FE6477}" type="pres">
-      <dgm:prSet presAssocID="{54E80DD8-6819-4B9A-A99F-FC0647AC1253}" presName="accentRepeatNode" presStyleLbl="solidFgAcc1" presStyleIdx="3" presStyleCnt="6"/>
+    <dgm:pt modelId="{98EAAC40-9CC0-4DCE-A6A9-184C2A872472}" type="pres">
+      <dgm:prSet presAssocID="{638007FA-50C2-486A-9D6C-9F7E24717FBB}" presName="accentRepeatNode" presStyleLbl="solidFgAcc1" presStyleIdx="3" presStyleCnt="5"/>
       <dgm:spPr/>
     </dgm:pt>
-    <dgm:pt modelId="{6D55B031-552C-4155-B39C-54567D7948E0}" type="pres">
-      <dgm:prSet presAssocID="{638007FA-50C2-486A-9D6C-9F7E24717FBB}" presName="text_5" presStyleLbl="node1" presStyleIdx="4" presStyleCnt="6">
+    <dgm:pt modelId="{4AC1E3F0-0B44-B74F-A5FC-60EF9B468683}" type="pres">
+      <dgm:prSet presAssocID="{08940B5D-00F7-4F8C-AC45-70B977D76BF8}" presName="text_5" presStyleLbl="node1" presStyleIdx="4" presStyleCnt="5">
         <dgm:presLayoutVars>
           <dgm:bulletEnabled val="1"/>
         </dgm:presLayoutVars>
       </dgm:prSet>
       <dgm:spPr/>
     </dgm:pt>
-    <dgm:pt modelId="{A9570F9B-8E21-4744-A807-9C90E483FE2D}" type="pres">
-      <dgm:prSet presAssocID="{638007FA-50C2-486A-9D6C-9F7E24717FBB}" presName="accent_5" presStyleCnt="0"/>
-      <dgm:spPr/>
-    </dgm:pt>
-    <dgm:pt modelId="{98EAAC40-9CC0-4DCE-A6A9-184C2A872472}" type="pres">
-      <dgm:prSet presAssocID="{638007FA-50C2-486A-9D6C-9F7E24717FBB}" presName="accentRepeatNode" presStyleLbl="solidFgAcc1" presStyleIdx="4" presStyleCnt="6"/>
-      <dgm:spPr/>
-    </dgm:pt>
-    <dgm:pt modelId="{A1CF9AE9-C1BC-48DD-8697-C1D8628DEF23}" type="pres">
-      <dgm:prSet presAssocID="{08940B5D-00F7-4F8C-AC45-70B977D76BF8}" presName="text_6" presStyleLbl="node1" presStyleIdx="5" presStyleCnt="6">
-        <dgm:presLayoutVars>
-          <dgm:bulletEnabled val="1"/>
-        </dgm:presLayoutVars>
-      </dgm:prSet>
-      <dgm:spPr/>
-    </dgm:pt>
-    <dgm:pt modelId="{D356C1F1-22CD-43C5-83F4-087648B388B1}" type="pres">
-      <dgm:prSet presAssocID="{08940B5D-00F7-4F8C-AC45-70B977D76BF8}" presName="accent_6" presStyleCnt="0"/>
+    <dgm:pt modelId="{FD512DC8-FF82-B841-91A4-65B4F72FA5B4}" type="pres">
+      <dgm:prSet presAssocID="{08940B5D-00F7-4F8C-AC45-70B977D76BF8}" presName="accent_5" presStyleCnt="0"/>
       <dgm:spPr/>
     </dgm:pt>
     <dgm:pt modelId="{4DF89166-A499-4F85-8200-1373A67DECB5}" type="pres">
-      <dgm:prSet presAssocID="{08940B5D-00F7-4F8C-AC45-70B977D76BF8}" presName="accentRepeatNode" presStyleLbl="solidFgAcc1" presStyleIdx="5" presStyleCnt="6"/>
+      <dgm:prSet presAssocID="{08940B5D-00F7-4F8C-AC45-70B977D76BF8}" presName="accentRepeatNode" presStyleLbl="solidFgAcc1" presStyleIdx="4" presStyleCnt="5"/>
       <dgm:spPr/>
     </dgm:pt>
   </dgm:ptLst>
   <dgm:cxnLst>
     <dgm:cxn modelId="{A11E3B12-1828-45A7-86C3-BB85832DF84D}" type="presOf" srcId="{CA077D98-8478-47EA-B6A9-99ACE60C64D4}" destId="{D79B43FC-100B-4A0D-A4D5-0D2D04B99064}" srcOrd="0" destOrd="0" presId="urn:microsoft.com/office/officeart/2008/layout/VerticalCurvedList"/>
+    <dgm:cxn modelId="{29DA474E-5DFA-4C66-882F-319C49ABBB19}" type="presOf" srcId="{6750AC01-D39D-4F3A-9DC8-2A211EE986A2}" destId="{58319267-C71E-43C9-94E1-827D0616C7A7}" srcOrd="0" destOrd="0" presId="urn:microsoft.com/office/officeart/2008/layout/VerticalCurvedList"/>
     <dgm:cxn modelId="{0B5DAE5F-BCDC-4BF7-A6E7-CF856886A64D}" srcId="{7E5AA53B-3EEE-4DE4-BB81-9044890C2946}" destId="{6750AC01-D39D-4F3A-9DC8-2A211EE986A2}" srcOrd="0" destOrd="0" parTransId="{720680DC-AAA4-4434-A582-60EBCC5BA355}" sibTransId="{CA077D98-8478-47EA-B6A9-99ACE60C64D4}"/>
-    <dgm:cxn modelId="{29DA474E-5DFA-4C66-882F-319C49ABBB19}" type="presOf" srcId="{6750AC01-D39D-4F3A-9DC8-2A211EE986A2}" destId="{58319267-C71E-43C9-94E1-827D0616C7A7}" srcOrd="0" destOrd="0" presId="urn:microsoft.com/office/officeart/2008/layout/VerticalCurvedList"/>
-    <dgm:cxn modelId="{3C314B6E-E068-4E5A-AE0A-7759D390008B}" srcId="{7E5AA53B-3EEE-4DE4-BB81-9044890C2946}" destId="{638007FA-50C2-486A-9D6C-9F7E24717FBB}" srcOrd="4" destOrd="0" parTransId="{A5304D12-1B01-4FC7-8480-CDB4F1097161}" sibTransId="{3FA151EC-544E-4A6B-A43C-71F5192C544A}"/>
-    <dgm:cxn modelId="{7084AA77-BACB-46CB-AE4A-77B62D3ED1AF}" type="presOf" srcId="{5605D28D-2CE6-4513-8566-952984E21E14}" destId="{E131CE4A-9776-44F4-BC03-867682E21374}" srcOrd="0" destOrd="0" presId="urn:microsoft.com/office/officeart/2008/layout/VerticalCurvedList"/>
+    <dgm:cxn modelId="{3C314B6E-E068-4E5A-AE0A-7759D390008B}" srcId="{7E5AA53B-3EEE-4DE4-BB81-9044890C2946}" destId="{638007FA-50C2-486A-9D6C-9F7E24717FBB}" srcOrd="3" destOrd="0" parTransId="{A5304D12-1B01-4FC7-8480-CDB4F1097161}" sibTransId="{3FA151EC-544E-4A6B-A43C-71F5192C544A}"/>
     <dgm:cxn modelId="{EDEF4F82-1237-4639-A0F7-385C1897CE66}" srcId="{7E5AA53B-3EEE-4DE4-BB81-9044890C2946}" destId="{0BEF68B8-1228-47BB-83B5-7B9CD1E3F84E}" srcOrd="1" destOrd="0" parTransId="{ED3A4BC2-B75A-4952-A38B-A42B5995DF05}" sibTransId="{FD949706-EDCC-4ADC-8EDF-8EDA49C92325}"/>
-    <dgm:cxn modelId="{FAF3F884-F0CF-440F-8CB1-B7648AB1B138}" srcId="{7E5AA53B-3EEE-4DE4-BB81-9044890C2946}" destId="{5605D28D-2CE6-4513-8566-952984E21E14}" srcOrd="2" destOrd="0" parTransId="{EB15AB98-362B-4E70-A3DA-995FC3E8BA79}" sibTransId="{823D1971-2C4D-4EC5-A874-2F463DE37109}"/>
+    <dgm:cxn modelId="{51057F8B-0ED4-BE4E-A67F-1B5CAE10BDEC}" type="presOf" srcId="{54E80DD8-6819-4B9A-A99F-FC0647AC1253}" destId="{4C595A58-1A51-314B-9F87-4EBB3EC1516D}" srcOrd="0" destOrd="0" presId="urn:microsoft.com/office/officeart/2008/layout/VerticalCurvedList"/>
+    <dgm:cxn modelId="{1F7CEE8C-947E-C34A-A08B-83DB07D5EBE4}" type="presOf" srcId="{638007FA-50C2-486A-9D6C-9F7E24717FBB}" destId="{35BF3E13-99B9-7E45-9E47-1D911F615C53}" srcOrd="0" destOrd="0" presId="urn:microsoft.com/office/officeart/2008/layout/VerticalCurvedList"/>
     <dgm:cxn modelId="{4F65CC8F-B5A8-40BE-A32B-05862B543D6A}" type="presOf" srcId="{7E5AA53B-3EEE-4DE4-BB81-9044890C2946}" destId="{57806726-6E60-4ACC-9C1C-7DF9CC365A10}" srcOrd="0" destOrd="0" presId="urn:microsoft.com/office/officeart/2008/layout/VerticalCurvedList"/>
     <dgm:cxn modelId="{4A378892-5CCC-4F0D-8A38-4BEAECF30F24}" type="presOf" srcId="{0BEF68B8-1228-47BB-83B5-7B9CD1E3F84E}" destId="{95DE6538-27BD-44AF-A1A8-CA8F6B10FDD2}" srcOrd="0" destOrd="0" presId="urn:microsoft.com/office/officeart/2008/layout/VerticalCurvedList"/>
-    <dgm:cxn modelId="{42B49B9F-77A6-4DB5-8C5F-3199F707EADD}" srcId="{7E5AA53B-3EEE-4DE4-BB81-9044890C2946}" destId="{08940B5D-00F7-4F8C-AC45-70B977D76BF8}" srcOrd="5" destOrd="0" parTransId="{D287EEBB-E973-457B-AF25-2F4F5504F02A}" sibTransId="{E8E8A13B-DBBD-4D69-B245-353F6CCCEAB0}"/>
-    <dgm:cxn modelId="{BE036AD6-29F1-461E-8B0A-2AC8AEFDC597}" type="presOf" srcId="{638007FA-50C2-486A-9D6C-9F7E24717FBB}" destId="{6D55B031-552C-4155-B39C-54567D7948E0}" srcOrd="0" destOrd="0" presId="urn:microsoft.com/office/officeart/2008/layout/VerticalCurvedList"/>
-    <dgm:cxn modelId="{E1759BE5-8434-45DA-9B6F-C4AC0D8DD2AB}" srcId="{7E5AA53B-3EEE-4DE4-BB81-9044890C2946}" destId="{54E80DD8-6819-4B9A-A99F-FC0647AC1253}" srcOrd="3" destOrd="0" parTransId="{9257724C-D65C-4080-B6A8-C0C455C34F4C}" sibTransId="{847787C0-53F7-453D-8BA2-91E2D9E6C6AB}"/>
-    <dgm:cxn modelId="{10C882F5-528C-4119-9782-6E69A28932D3}" type="presOf" srcId="{54E80DD8-6819-4B9A-A99F-FC0647AC1253}" destId="{F7E97CC6-B3C8-43FE-88CC-6D93D26DBE35}" srcOrd="0" destOrd="0" presId="urn:microsoft.com/office/officeart/2008/layout/VerticalCurvedList"/>
-    <dgm:cxn modelId="{3EDCB4F7-2FCC-4365-9E70-EA90E7E88083}" type="presOf" srcId="{08940B5D-00F7-4F8C-AC45-70B977D76BF8}" destId="{A1CF9AE9-C1BC-48DD-8697-C1D8628DEF23}" srcOrd="0" destOrd="0" presId="urn:microsoft.com/office/officeart/2008/layout/VerticalCurvedList"/>
+    <dgm:cxn modelId="{E294649E-D81C-214C-BAF2-080168C32FD2}" type="presOf" srcId="{08940B5D-00F7-4F8C-AC45-70B977D76BF8}" destId="{4AC1E3F0-0B44-B74F-A5FC-60EF9B468683}" srcOrd="0" destOrd="0" presId="urn:microsoft.com/office/officeart/2008/layout/VerticalCurvedList"/>
+    <dgm:cxn modelId="{42B49B9F-77A6-4DB5-8C5F-3199F707EADD}" srcId="{7E5AA53B-3EEE-4DE4-BB81-9044890C2946}" destId="{08940B5D-00F7-4F8C-AC45-70B977D76BF8}" srcOrd="4" destOrd="0" parTransId="{D287EEBB-E973-457B-AF25-2F4F5504F02A}" sibTransId="{E8E8A13B-DBBD-4D69-B245-353F6CCCEAB0}"/>
+    <dgm:cxn modelId="{E1759BE5-8434-45DA-9B6F-C4AC0D8DD2AB}" srcId="{7E5AA53B-3EEE-4DE4-BB81-9044890C2946}" destId="{54E80DD8-6819-4B9A-A99F-FC0647AC1253}" srcOrd="2" destOrd="0" parTransId="{9257724C-D65C-4080-B6A8-C0C455C34F4C}" sibTransId="{847787C0-53F7-453D-8BA2-91E2D9E6C6AB}"/>
     <dgm:cxn modelId="{4E25B52E-70EF-4A0F-B410-0B49263AF380}" type="presParOf" srcId="{57806726-6E60-4ACC-9C1C-7DF9CC365A10}" destId="{90561C55-3C6E-4D53-85E1-2C50BCDDA392}" srcOrd="0" destOrd="0" presId="urn:microsoft.com/office/officeart/2008/layout/VerticalCurvedList"/>
     <dgm:cxn modelId="{2B3DD9E4-EC9C-4B92-B380-F89BF82E7CF3}" type="presParOf" srcId="{90561C55-3C6E-4D53-85E1-2C50BCDDA392}" destId="{B6CD42EC-5AD4-4004-AE5B-47EDA668DAA8}" srcOrd="0" destOrd="0" presId="urn:microsoft.com/office/officeart/2008/layout/VerticalCurvedList"/>
     <dgm:cxn modelId="{EA357085-80A4-4D1D-9BD2-56B1E9A721FB}" type="presParOf" srcId="{B6CD42EC-5AD4-4004-AE5B-47EDA668DAA8}" destId="{963B8EE3-40CC-4A0A-B420-D0BF920973CE}" srcOrd="0" destOrd="0" presId="urn:microsoft.com/office/officeart/2008/layout/VerticalCurvedList"/>
@@ -3543,18 +3484,15 @@
     <dgm:cxn modelId="{602753E6-8A03-492B-861A-6B9532B5AA28}" type="presParOf" srcId="{90561C55-3C6E-4D53-85E1-2C50BCDDA392}" destId="{95DE6538-27BD-44AF-A1A8-CA8F6B10FDD2}" srcOrd="3" destOrd="0" presId="urn:microsoft.com/office/officeart/2008/layout/VerticalCurvedList"/>
     <dgm:cxn modelId="{AEC540A3-E86A-4075-8BE4-263F4AFF4EA1}" type="presParOf" srcId="{90561C55-3C6E-4D53-85E1-2C50BCDDA392}" destId="{312BDEE8-85BD-4F02-B35B-2CC8E701C98B}" srcOrd="4" destOrd="0" presId="urn:microsoft.com/office/officeart/2008/layout/VerticalCurvedList"/>
     <dgm:cxn modelId="{CD5D1014-B7CB-4B47-9A02-5FBF90928A73}" type="presParOf" srcId="{312BDEE8-85BD-4F02-B35B-2CC8E701C98B}" destId="{3F8116AC-FAC3-4E95-9865-93CCFEB191B9}" srcOrd="0" destOrd="0" presId="urn:microsoft.com/office/officeart/2008/layout/VerticalCurvedList"/>
-    <dgm:cxn modelId="{987EB7C0-CA3E-4874-85E0-01E9060A2D35}" type="presParOf" srcId="{90561C55-3C6E-4D53-85E1-2C50BCDDA392}" destId="{E131CE4A-9776-44F4-BC03-867682E21374}" srcOrd="5" destOrd="0" presId="urn:microsoft.com/office/officeart/2008/layout/VerticalCurvedList"/>
-    <dgm:cxn modelId="{91E55363-8DCA-455E-A203-06A9410994CB}" type="presParOf" srcId="{90561C55-3C6E-4D53-85E1-2C50BCDDA392}" destId="{AC9A216A-8375-48F9-A4E6-8E0B64C0209B}" srcOrd="6" destOrd="0" presId="urn:microsoft.com/office/officeart/2008/layout/VerticalCurvedList"/>
-    <dgm:cxn modelId="{D866D586-1293-4049-B6E3-B467C1D5ED64}" type="presParOf" srcId="{AC9A216A-8375-48F9-A4E6-8E0B64C0209B}" destId="{A965097E-32F1-4AB8-8C4E-2814A7596B2F}" srcOrd="0" destOrd="0" presId="urn:microsoft.com/office/officeart/2008/layout/VerticalCurvedList"/>
-    <dgm:cxn modelId="{4CB87F00-C590-424F-ADE2-1053F1E00C79}" type="presParOf" srcId="{90561C55-3C6E-4D53-85E1-2C50BCDDA392}" destId="{F7E97CC6-B3C8-43FE-88CC-6D93D26DBE35}" srcOrd="7" destOrd="0" presId="urn:microsoft.com/office/officeart/2008/layout/VerticalCurvedList"/>
-    <dgm:cxn modelId="{F6B99C6C-74A7-4E6D-A247-D12787EC0FCD}" type="presParOf" srcId="{90561C55-3C6E-4D53-85E1-2C50BCDDA392}" destId="{938E2B86-AFB3-4869-B768-AD18CA9CD794}" srcOrd="8" destOrd="0" presId="urn:microsoft.com/office/officeart/2008/layout/VerticalCurvedList"/>
-    <dgm:cxn modelId="{AEF398D3-C1BA-41A0-8E0B-F989E7891D87}" type="presParOf" srcId="{938E2B86-AFB3-4869-B768-AD18CA9CD794}" destId="{39DE2751-3DD1-40B4-9A01-07CF58FE6477}" srcOrd="0" destOrd="0" presId="urn:microsoft.com/office/officeart/2008/layout/VerticalCurvedList"/>
-    <dgm:cxn modelId="{FBF2928E-6ECC-42C0-944C-8AF834354F28}" type="presParOf" srcId="{90561C55-3C6E-4D53-85E1-2C50BCDDA392}" destId="{6D55B031-552C-4155-B39C-54567D7948E0}" srcOrd="9" destOrd="0" presId="urn:microsoft.com/office/officeart/2008/layout/VerticalCurvedList"/>
-    <dgm:cxn modelId="{80DB510D-7F3A-4B7B-9D2C-EFE2CF78D5C5}" type="presParOf" srcId="{90561C55-3C6E-4D53-85E1-2C50BCDDA392}" destId="{A9570F9B-8E21-4744-A807-9C90E483FE2D}" srcOrd="10" destOrd="0" presId="urn:microsoft.com/office/officeart/2008/layout/VerticalCurvedList"/>
-    <dgm:cxn modelId="{5E7D22E5-244F-461B-8B2F-CF55BF51AEC6}" type="presParOf" srcId="{A9570F9B-8E21-4744-A807-9C90E483FE2D}" destId="{98EAAC40-9CC0-4DCE-A6A9-184C2A872472}" srcOrd="0" destOrd="0" presId="urn:microsoft.com/office/officeart/2008/layout/VerticalCurvedList"/>
-    <dgm:cxn modelId="{4B34E6D4-9B4E-492C-B79D-D5BD7BDBA51D}" type="presParOf" srcId="{90561C55-3C6E-4D53-85E1-2C50BCDDA392}" destId="{A1CF9AE9-C1BC-48DD-8697-C1D8628DEF23}" srcOrd="11" destOrd="0" presId="urn:microsoft.com/office/officeart/2008/layout/VerticalCurvedList"/>
-    <dgm:cxn modelId="{CA6CD104-7B9F-4EAB-938B-FCFB42F6B8E9}" type="presParOf" srcId="{90561C55-3C6E-4D53-85E1-2C50BCDDA392}" destId="{D356C1F1-22CD-43C5-83F4-087648B388B1}" srcOrd="12" destOrd="0" presId="urn:microsoft.com/office/officeart/2008/layout/VerticalCurvedList"/>
-    <dgm:cxn modelId="{118C78A2-6F33-49E9-A84D-6A65BE7684D0}" type="presParOf" srcId="{D356C1F1-22CD-43C5-83F4-087648B388B1}" destId="{4DF89166-A499-4F85-8200-1373A67DECB5}" srcOrd="0" destOrd="0" presId="urn:microsoft.com/office/officeart/2008/layout/VerticalCurvedList"/>
+    <dgm:cxn modelId="{74268405-8A87-904E-BF82-C0D5FF6514B1}" type="presParOf" srcId="{90561C55-3C6E-4D53-85E1-2C50BCDDA392}" destId="{4C595A58-1A51-314B-9F87-4EBB3EC1516D}" srcOrd="5" destOrd="0" presId="urn:microsoft.com/office/officeart/2008/layout/VerticalCurvedList"/>
+    <dgm:cxn modelId="{A2C7084A-8E19-6B40-9025-689986D2E6E2}" type="presParOf" srcId="{90561C55-3C6E-4D53-85E1-2C50BCDDA392}" destId="{9435B0F6-6A47-1246-A3E6-747CC5C97CDD}" srcOrd="6" destOrd="0" presId="urn:microsoft.com/office/officeart/2008/layout/VerticalCurvedList"/>
+    <dgm:cxn modelId="{95C011EA-BC30-7F4D-8AF7-368931F5ADEE}" type="presParOf" srcId="{9435B0F6-6A47-1246-A3E6-747CC5C97CDD}" destId="{39DE2751-3DD1-40B4-9A01-07CF58FE6477}" srcOrd="0" destOrd="0" presId="urn:microsoft.com/office/officeart/2008/layout/VerticalCurvedList"/>
+    <dgm:cxn modelId="{61CFD9F2-129F-314F-8E35-C15BA931140F}" type="presParOf" srcId="{90561C55-3C6E-4D53-85E1-2C50BCDDA392}" destId="{35BF3E13-99B9-7E45-9E47-1D911F615C53}" srcOrd="7" destOrd="0" presId="urn:microsoft.com/office/officeart/2008/layout/VerticalCurvedList"/>
+    <dgm:cxn modelId="{65E3F711-8BCF-C248-AF67-31A5E05170CC}" type="presParOf" srcId="{90561C55-3C6E-4D53-85E1-2C50BCDDA392}" destId="{9C2B93BE-8CB7-E248-8667-F67516516821}" srcOrd="8" destOrd="0" presId="urn:microsoft.com/office/officeart/2008/layout/VerticalCurvedList"/>
+    <dgm:cxn modelId="{6BEF35BE-4B55-1B43-89A5-DEBE95AD43C9}" type="presParOf" srcId="{9C2B93BE-8CB7-E248-8667-F67516516821}" destId="{98EAAC40-9CC0-4DCE-A6A9-184C2A872472}" srcOrd="0" destOrd="0" presId="urn:microsoft.com/office/officeart/2008/layout/VerticalCurvedList"/>
+    <dgm:cxn modelId="{26DDA1D7-0CAE-BD41-9F8C-74D8D74CCE28}" type="presParOf" srcId="{90561C55-3C6E-4D53-85E1-2C50BCDDA392}" destId="{4AC1E3F0-0B44-B74F-A5FC-60EF9B468683}" srcOrd="9" destOrd="0" presId="urn:microsoft.com/office/officeart/2008/layout/VerticalCurvedList"/>
+    <dgm:cxn modelId="{8601D1F8-65DE-114F-9FA3-91C9B8E50211}" type="presParOf" srcId="{90561C55-3C6E-4D53-85E1-2C50BCDDA392}" destId="{FD512DC8-FF82-B841-91A4-65B4F72FA5B4}" srcOrd="10" destOrd="0" presId="urn:microsoft.com/office/officeart/2008/layout/VerticalCurvedList"/>
+    <dgm:cxn modelId="{DA57FC04-6661-134C-9C67-F7445C92AB20}" type="presParOf" srcId="{FD512DC8-FF82-B841-91A4-65B4F72FA5B4}" destId="{4DF89166-A499-4F85-8200-1373A67DECB5}" srcOrd="0" destOrd="0" presId="urn:microsoft.com/office/officeart/2008/layout/VerticalCurvedList"/>
   </dgm:cxnLst>
   <dgm:bg/>
   <dgm:whole/>
@@ -3580,6 +3518,11 @@
         <a:bodyPr/>
         <a:lstStyle/>
         <a:p>
+          <a:pPr>
+            <a:lnSpc>
+              <a:spcPct val="100000"/>
+            </a:lnSpc>
+          </a:pPr>
           <a:r>
             <a:rPr lang="en-ZA" dirty="0"/>
             <a:t>Mechanical</a:t>
@@ -3617,6 +3560,11 @@
         <a:bodyPr/>
         <a:lstStyle/>
         <a:p>
+          <a:pPr>
+            <a:lnSpc>
+              <a:spcPct val="100000"/>
+            </a:lnSpc>
+          </a:pPr>
           <a:r>
             <a:rPr lang="en-US" dirty="0"/>
             <a:t>Electrical</a:t>
@@ -3653,6 +3601,11 @@
         <a:bodyPr/>
         <a:lstStyle/>
         <a:p>
+          <a:pPr>
+            <a:lnSpc>
+              <a:spcPct val="100000"/>
+            </a:lnSpc>
+          </a:pPr>
           <a:r>
             <a:rPr lang="en-US" dirty="0"/>
             <a:t>Fluid Flow</a:t>
@@ -3682,6 +3635,47 @@
         </a:p>
       </dgm:t>
     </dgm:pt>
+    <dgm:pt modelId="{E4A453A4-9CB1-B043-B485-5BD4EC9E4BB5}">
+      <dgm:prSet/>
+      <dgm:spPr/>
+      <dgm:t>
+        <a:bodyPr/>
+        <a:lstStyle/>
+        <a:p>
+          <a:pPr>
+            <a:lnSpc>
+              <a:spcPct val="100000"/>
+            </a:lnSpc>
+          </a:pPr>
+          <a:r>
+            <a:rPr lang="en-US"/>
+            <a:t>Magnetic</a:t>
+          </a:r>
+        </a:p>
+      </dgm:t>
+    </dgm:pt>
+    <dgm:pt modelId="{7797BFC3-2293-1F4B-B0F2-CADCDA2C5414}" type="parTrans" cxnId="{FC0B513B-12C0-FB41-B6A0-DE26B1CD6D9A}">
+      <dgm:prSet/>
+      <dgm:spPr/>
+      <dgm:t>
+        <a:bodyPr/>
+        <a:lstStyle/>
+        <a:p>
+          <a:endParaRPr lang="en-US"/>
+        </a:p>
+      </dgm:t>
+    </dgm:pt>
+    <dgm:pt modelId="{DC757027-B439-A040-81B9-09882DE63379}" type="sibTrans" cxnId="{FC0B513B-12C0-FB41-B6A0-DE26B1CD6D9A}">
+      <dgm:prSet/>
+      <dgm:spPr/>
+      <dgm:t>
+        <a:bodyPr/>
+        <a:lstStyle/>
+        <a:p>
+          <a:endParaRPr lang="en-US"/>
+        </a:p>
+      </dgm:t>
+    </dgm:pt>
     <dgm:pt modelId="{8994D886-A75F-411A-A9D7-D31991FF12BD}" type="pres">
       <dgm:prSet presAssocID="{7D9C16A6-8C48-4165-8DAF-8C957C12A8FA}" presName="root" presStyleCnt="0">
         <dgm:presLayoutVars>
@@ -3696,7 +3690,7 @@
       <dgm:spPr/>
     </dgm:pt>
     <dgm:pt modelId="{19A8DC21-3E65-409D-AD53-DA51BB9198A0}" type="pres">
-      <dgm:prSet presAssocID="{701D68F5-42F8-47BC-8FED-84C50F595DF0}" presName="iconRect" presStyleLbl="node1" presStyleIdx="0" presStyleCnt="3" custScaleX="157625" custScaleY="157625"/>
+      <dgm:prSet presAssocID="{701D68F5-42F8-47BC-8FED-84C50F595DF0}" presName="iconRect" presStyleLbl="node1" presStyleIdx="0" presStyleCnt="4" custScaleX="157625" custScaleY="157625"/>
       <dgm:spPr>
         <a:blipFill>
           <a:blip xmlns:r="http://schemas.openxmlformats.org/officeDocument/2006/relationships" r:embed="rId1">
@@ -3726,7 +3720,7 @@
       <dgm:spPr/>
     </dgm:pt>
     <dgm:pt modelId="{A99B5DD6-89E9-4537-B415-4205CEB9323A}" type="pres">
-      <dgm:prSet presAssocID="{701D68F5-42F8-47BC-8FED-84C50F595DF0}" presName="textRect" presStyleLbl="revTx" presStyleIdx="0" presStyleCnt="3">
+      <dgm:prSet presAssocID="{701D68F5-42F8-47BC-8FED-84C50F595DF0}" presName="textRect" presStyleLbl="revTx" presStyleIdx="0" presStyleCnt="4">
         <dgm:presLayoutVars>
           <dgm:chMax val="1"/>
           <dgm:chPref val="1"/>
@@ -3738,18 +3732,62 @@
       <dgm:prSet presAssocID="{0C95B389-AC0C-4055-9AA3-38815EFC8B0A}" presName="sibTrans" presStyleCnt="0"/>
       <dgm:spPr/>
     </dgm:pt>
-    <dgm:pt modelId="{95872155-C45D-46D3-874C-D838089A06F8}" type="pres">
-      <dgm:prSet presAssocID="{91A66877-AC1C-46D9-BF2C-6024B638DEA9}" presName="compNode" presStyleCnt="0"/>
+    <dgm:pt modelId="{7E4066D1-CDE2-F848-9DAC-14FD996C3216}" type="pres">
+      <dgm:prSet presAssocID="{E4A453A4-9CB1-B043-B485-5BD4EC9E4BB5}" presName="compNode" presStyleCnt="0"/>
       <dgm:spPr/>
     </dgm:pt>
-    <dgm:pt modelId="{CE9DF0E8-B0DE-4E1E-9FF4-6006AD8428DB}" type="pres">
-      <dgm:prSet presAssocID="{91A66877-AC1C-46D9-BF2C-6024B638DEA9}" presName="iconRect" presStyleLbl="node1" presStyleIdx="1" presStyleCnt="3" custScaleX="157625" custScaleY="157625"/>
+    <dgm:pt modelId="{8FEAEA9C-E45A-9148-8890-765BDE450FBB}" type="pres">
+      <dgm:prSet presAssocID="{E4A453A4-9CB1-B043-B485-5BD4EC9E4BB5}" presName="iconRect" presStyleLbl="node1" presStyleIdx="1" presStyleCnt="4" custScaleX="163923" custScaleY="153544"/>
       <dgm:spPr>
         <a:blipFill>
           <a:blip xmlns:r="http://schemas.openxmlformats.org/officeDocument/2006/relationships" r:embed="rId3">
             <a:extLst>
               <a:ext uri="{96DAC541-7B7A-43D3-8B79-37D633B846F1}">
                 <asvg:svgBlip xmlns:asvg="http://schemas.microsoft.com/office/drawing/2016/SVG/main" r:embed="rId4"/>
+              </a:ext>
+            </a:extLst>
+          </a:blip>
+          <a:srcRect/>
+          <a:stretch>
+            <a:fillRect/>
+          </a:stretch>
+        </a:blipFill>
+      </dgm:spPr>
+      <dgm:extLst>
+        <a:ext uri="{E40237B7-FDA0-4F09-8148-C483321AD2D9}">
+          <dgm14:cNvPr xmlns:dgm14="http://schemas.microsoft.com/office/drawing/2010/diagram" id="0" name="" descr="Magnet with solid fill"/>
+        </a:ext>
+      </dgm:extLst>
+    </dgm:pt>
+    <dgm:pt modelId="{C794535C-CDF2-E045-BC0D-43EC620B4010}" type="pres">
+      <dgm:prSet presAssocID="{E4A453A4-9CB1-B043-B485-5BD4EC9E4BB5}" presName="spaceRect" presStyleCnt="0"/>
+      <dgm:spPr/>
+    </dgm:pt>
+    <dgm:pt modelId="{69B54B07-3C89-7043-AA0A-41B2A8DF4974}" type="pres">
+      <dgm:prSet presAssocID="{E4A453A4-9CB1-B043-B485-5BD4EC9E4BB5}" presName="textRect" presStyleLbl="revTx" presStyleIdx="1" presStyleCnt="4">
+        <dgm:presLayoutVars>
+          <dgm:chMax val="1"/>
+          <dgm:chPref val="1"/>
+        </dgm:presLayoutVars>
+      </dgm:prSet>
+      <dgm:spPr/>
+    </dgm:pt>
+    <dgm:pt modelId="{F4426319-5B13-584F-A38B-DCA399104C2B}" type="pres">
+      <dgm:prSet presAssocID="{DC757027-B439-A040-81B9-09882DE63379}" presName="sibTrans" presStyleCnt="0"/>
+      <dgm:spPr/>
+    </dgm:pt>
+    <dgm:pt modelId="{95872155-C45D-46D3-874C-D838089A06F8}" type="pres">
+      <dgm:prSet presAssocID="{91A66877-AC1C-46D9-BF2C-6024B638DEA9}" presName="compNode" presStyleCnt="0"/>
+      <dgm:spPr/>
+    </dgm:pt>
+    <dgm:pt modelId="{CE9DF0E8-B0DE-4E1E-9FF4-6006AD8428DB}" type="pres">
+      <dgm:prSet presAssocID="{91A66877-AC1C-46D9-BF2C-6024B638DEA9}" presName="iconRect" presStyleLbl="node1" presStyleIdx="2" presStyleCnt="4" custScaleX="157625" custScaleY="157625"/>
+      <dgm:spPr>
+        <a:blipFill>
+          <a:blip xmlns:r="http://schemas.openxmlformats.org/officeDocument/2006/relationships" r:embed="rId5">
+            <a:extLst>
+              <a:ext uri="{96DAC541-7B7A-43D3-8B79-37D633B846F1}">
+                <asvg:svgBlip xmlns:asvg="http://schemas.microsoft.com/office/drawing/2016/SVG/main" r:embed="rId6"/>
               </a:ext>
             </a:extLst>
           </a:blip>
@@ -3773,7 +3811,7 @@
       <dgm:spPr/>
     </dgm:pt>
     <dgm:pt modelId="{55120873-6F5C-4053-8EAD-6287A7F1097E}" type="pres">
-      <dgm:prSet presAssocID="{91A66877-AC1C-46D9-BF2C-6024B638DEA9}" presName="textRect" presStyleLbl="revTx" presStyleIdx="1" presStyleCnt="3">
+      <dgm:prSet presAssocID="{91A66877-AC1C-46D9-BF2C-6024B638DEA9}" presName="textRect" presStyleLbl="revTx" presStyleIdx="2" presStyleCnt="4">
         <dgm:presLayoutVars>
           <dgm:chMax val="1"/>
           <dgm:chPref val="1"/>
@@ -3790,13 +3828,13 @@
       <dgm:spPr/>
     </dgm:pt>
     <dgm:pt modelId="{6DB1FE51-13D0-4A38-AD6E-48D4371A1AF3}" type="pres">
-      <dgm:prSet presAssocID="{76CC3289-2662-43F0-A3C6-BA04A135F08C}" presName="iconRect" presStyleLbl="node1" presStyleIdx="2" presStyleCnt="3" custScaleX="157625" custScaleY="157625"/>
+      <dgm:prSet presAssocID="{76CC3289-2662-43F0-A3C6-BA04A135F08C}" presName="iconRect" presStyleLbl="node1" presStyleIdx="3" presStyleCnt="4" custScaleX="157625" custScaleY="157625"/>
       <dgm:spPr>
         <a:blipFill>
-          <a:blip xmlns:r="http://schemas.openxmlformats.org/officeDocument/2006/relationships" r:embed="rId5">
+          <a:blip xmlns:r="http://schemas.openxmlformats.org/officeDocument/2006/relationships" r:embed="rId7">
             <a:extLst>
               <a:ext uri="{96DAC541-7B7A-43D3-8B79-37D633B846F1}">
-                <asvg:svgBlip xmlns:asvg="http://schemas.microsoft.com/office/drawing/2016/SVG/main" r:embed="rId6"/>
+                <asvg:svgBlip xmlns:asvg="http://schemas.microsoft.com/office/drawing/2016/SVG/main" r:embed="rId8"/>
               </a:ext>
             </a:extLst>
           </a:blip>
@@ -3820,7 +3858,7 @@
       <dgm:spPr/>
     </dgm:pt>
     <dgm:pt modelId="{133097FC-B1F8-4953-B0AB-E8E73D968D1C}" type="pres">
-      <dgm:prSet presAssocID="{76CC3289-2662-43F0-A3C6-BA04A135F08C}" presName="textRect" presStyleLbl="revTx" presStyleIdx="2" presStyleCnt="3">
+      <dgm:prSet presAssocID="{76CC3289-2662-43F0-A3C6-BA04A135F08C}" presName="textRect" presStyleLbl="revTx" presStyleIdx="3" presStyleCnt="4">
         <dgm:presLayoutVars>
           <dgm:chMax val="1"/>
           <dgm:chPref val="1"/>
@@ -3830,27 +3868,34 @@
     </dgm:pt>
   </dgm:ptLst>
   <dgm:cxnLst>
-    <dgm:cxn modelId="{1B8CB22C-9648-419B-97E9-4AA6C3555723}" type="presOf" srcId="{701D68F5-42F8-47BC-8FED-84C50F595DF0}" destId="{A99B5DD6-89E9-4537-B415-4205CEB9323A}" srcOrd="0" destOrd="0" presId="urn:microsoft.com/office/officeart/2018/2/layout/IconLabelList"/>
+    <dgm:cxn modelId="{28259218-3479-ED4E-A9B8-3DD257FFE738}" type="presOf" srcId="{701D68F5-42F8-47BC-8FED-84C50F595DF0}" destId="{A99B5DD6-89E9-4537-B415-4205CEB9323A}" srcOrd="0" destOrd="0" presId="urn:microsoft.com/office/officeart/2018/2/layout/IconLabelList"/>
+    <dgm:cxn modelId="{FC0B513B-12C0-FB41-B6A0-DE26B1CD6D9A}" srcId="{7D9C16A6-8C48-4165-8DAF-8C957C12A8FA}" destId="{E4A453A4-9CB1-B043-B485-5BD4EC9E4BB5}" srcOrd="1" destOrd="0" parTransId="{7797BFC3-2293-1F4B-B0F2-CADCDA2C5414}" sibTransId="{DC757027-B439-A040-81B9-09882DE63379}"/>
+    <dgm:cxn modelId="{7F31CD40-6714-E344-BD7E-9163BFCDA667}" type="presOf" srcId="{E4A453A4-9CB1-B043-B485-5BD4EC9E4BB5}" destId="{69B54B07-3C89-7043-AA0A-41B2A8DF4974}" srcOrd="0" destOrd="0" presId="urn:microsoft.com/office/officeart/2018/2/layout/IconLabelList"/>
     <dgm:cxn modelId="{C4BA385D-31ED-40EF-A5D6-98DFBA64E71A}" srcId="{7D9C16A6-8C48-4165-8DAF-8C957C12A8FA}" destId="{701D68F5-42F8-47BC-8FED-84C50F595DF0}" srcOrd="0" destOrd="0" parTransId="{9617668C-C38C-4017-8DDF-37855B15D110}" sibTransId="{0C95B389-AC0C-4055-9AA3-38815EFC8B0A}"/>
     <dgm:cxn modelId="{5574CC64-4BF2-43BE-BABC-6DF1E58A4C74}" type="presOf" srcId="{7D9C16A6-8C48-4165-8DAF-8C957C12A8FA}" destId="{8994D886-A75F-411A-A9D7-D31991FF12BD}" srcOrd="0" destOrd="0" presId="urn:microsoft.com/office/officeart/2018/2/layout/IconLabelList"/>
-    <dgm:cxn modelId="{0400886E-8A1A-44C2-95A7-DB0EF4911494}" srcId="{7D9C16A6-8C48-4165-8DAF-8C957C12A8FA}" destId="{76CC3289-2662-43F0-A3C6-BA04A135F08C}" srcOrd="2" destOrd="0" parTransId="{D46DB4DA-1442-4ECE-89FE-BBB1E3489E3D}" sibTransId="{FA28C9D6-476E-43CD-BA23-D6D990FD78D0}"/>
-    <dgm:cxn modelId="{7F0DAB6F-9257-4F2D-B31A-3418F73F6952}" srcId="{7D9C16A6-8C48-4165-8DAF-8C957C12A8FA}" destId="{91A66877-AC1C-46D9-BF2C-6024B638DEA9}" srcOrd="1" destOrd="0" parTransId="{913FED05-DF41-48A7-B1F8-81937A468EF9}" sibTransId="{BFCE4A28-C381-46FF-935A-B11534EF7D87}"/>
-    <dgm:cxn modelId="{EC5C6E85-C523-4B60-976B-342F12E3A6CB}" type="presOf" srcId="{91A66877-AC1C-46D9-BF2C-6024B638DEA9}" destId="{55120873-6F5C-4053-8EAD-6287A7F1097E}" srcOrd="0" destOrd="0" presId="urn:microsoft.com/office/officeart/2018/2/layout/IconLabelList"/>
-    <dgm:cxn modelId="{6E31C6AB-C9E6-448F-A8CC-566A63619D4D}" type="presOf" srcId="{76CC3289-2662-43F0-A3C6-BA04A135F08C}" destId="{133097FC-B1F8-4953-B0AB-E8E73D968D1C}" srcOrd="0" destOrd="0" presId="urn:microsoft.com/office/officeart/2018/2/layout/IconLabelList"/>
-    <dgm:cxn modelId="{2AD6E781-3ED2-484E-B438-73386D2C583D}" type="presParOf" srcId="{8994D886-A75F-411A-A9D7-D31991FF12BD}" destId="{E1DBA6D5-BD14-4CD2-A0CC-80F867FEFA81}" srcOrd="0" destOrd="0" presId="urn:microsoft.com/office/officeart/2018/2/layout/IconLabelList"/>
-    <dgm:cxn modelId="{10B2B212-528C-471D-ABD0-D66ED992B833}" type="presParOf" srcId="{E1DBA6D5-BD14-4CD2-A0CC-80F867FEFA81}" destId="{19A8DC21-3E65-409D-AD53-DA51BB9198A0}" srcOrd="0" destOrd="0" presId="urn:microsoft.com/office/officeart/2018/2/layout/IconLabelList"/>
-    <dgm:cxn modelId="{2A8FB3D0-F98B-4F5A-BACA-4315E38776FB}" type="presParOf" srcId="{E1DBA6D5-BD14-4CD2-A0CC-80F867FEFA81}" destId="{B9F90A48-FF94-4C94-A587-0190406F6FD3}" srcOrd="1" destOrd="0" presId="urn:microsoft.com/office/officeart/2018/2/layout/IconLabelList"/>
-    <dgm:cxn modelId="{95FEF629-9884-451C-89B4-41B897ABE3D6}" type="presParOf" srcId="{E1DBA6D5-BD14-4CD2-A0CC-80F867FEFA81}" destId="{A99B5DD6-89E9-4537-B415-4205CEB9323A}" srcOrd="2" destOrd="0" presId="urn:microsoft.com/office/officeart/2018/2/layout/IconLabelList"/>
-    <dgm:cxn modelId="{0FE6827F-DE80-4F8A-8E9D-7F88C0F7EF29}" type="presParOf" srcId="{8994D886-A75F-411A-A9D7-D31991FF12BD}" destId="{8B391436-B9B0-45BD-A57F-792D6376D868}" srcOrd="1" destOrd="0" presId="urn:microsoft.com/office/officeart/2018/2/layout/IconLabelList"/>
-    <dgm:cxn modelId="{4857BE3A-D518-473D-AC79-7B9BF18B9824}" type="presParOf" srcId="{8994D886-A75F-411A-A9D7-D31991FF12BD}" destId="{95872155-C45D-46D3-874C-D838089A06F8}" srcOrd="2" destOrd="0" presId="urn:microsoft.com/office/officeart/2018/2/layout/IconLabelList"/>
-    <dgm:cxn modelId="{B4B325C4-81F2-4B3E-8CBF-4532B0BFA343}" type="presParOf" srcId="{95872155-C45D-46D3-874C-D838089A06F8}" destId="{CE9DF0E8-B0DE-4E1E-9FF4-6006AD8428DB}" srcOrd="0" destOrd="0" presId="urn:microsoft.com/office/officeart/2018/2/layout/IconLabelList"/>
-    <dgm:cxn modelId="{0AE6D335-6E55-47E1-BAD8-0368620AB8F6}" type="presParOf" srcId="{95872155-C45D-46D3-874C-D838089A06F8}" destId="{AA0423A1-55B2-45E9-BFE7-3FBE5BDA65ED}" srcOrd="1" destOrd="0" presId="urn:microsoft.com/office/officeart/2018/2/layout/IconLabelList"/>
-    <dgm:cxn modelId="{AFEE8CCD-97FE-4EFA-A584-DF6AFDAD2B20}" type="presParOf" srcId="{95872155-C45D-46D3-874C-D838089A06F8}" destId="{55120873-6F5C-4053-8EAD-6287A7F1097E}" srcOrd="2" destOrd="0" presId="urn:microsoft.com/office/officeart/2018/2/layout/IconLabelList"/>
-    <dgm:cxn modelId="{26649F18-C204-4047-8300-905486AB3755}" type="presParOf" srcId="{8994D886-A75F-411A-A9D7-D31991FF12BD}" destId="{F679C986-30E4-4F0A-A3A6-CAE528BFED76}" srcOrd="3" destOrd="0" presId="urn:microsoft.com/office/officeart/2018/2/layout/IconLabelList"/>
-    <dgm:cxn modelId="{898D629F-DA37-435F-A0B2-0617605D711A}" type="presParOf" srcId="{8994D886-A75F-411A-A9D7-D31991FF12BD}" destId="{2EC2FDE3-8908-45C7-A3FD-EB370213FE69}" srcOrd="4" destOrd="0" presId="urn:microsoft.com/office/officeart/2018/2/layout/IconLabelList"/>
-    <dgm:cxn modelId="{2BDADB1C-15B1-4763-9B35-3792147F8F87}" type="presParOf" srcId="{2EC2FDE3-8908-45C7-A3FD-EB370213FE69}" destId="{6DB1FE51-13D0-4A38-AD6E-48D4371A1AF3}" srcOrd="0" destOrd="0" presId="urn:microsoft.com/office/officeart/2018/2/layout/IconLabelList"/>
-    <dgm:cxn modelId="{F692F1E6-C6EC-4391-8432-EB6C34194240}" type="presParOf" srcId="{2EC2FDE3-8908-45C7-A3FD-EB370213FE69}" destId="{0928538A-05CC-4A79-BD5D-92F985D1EEE5}" srcOrd="1" destOrd="0" presId="urn:microsoft.com/office/officeart/2018/2/layout/IconLabelList"/>
-    <dgm:cxn modelId="{0E6AF6C4-A4E5-4234-9E16-F9F2334264CD}" type="presParOf" srcId="{2EC2FDE3-8908-45C7-A3FD-EB370213FE69}" destId="{133097FC-B1F8-4953-B0AB-E8E73D968D1C}" srcOrd="2" destOrd="0" presId="urn:microsoft.com/office/officeart/2018/2/layout/IconLabelList"/>
+    <dgm:cxn modelId="{0400886E-8A1A-44C2-95A7-DB0EF4911494}" srcId="{7D9C16A6-8C48-4165-8DAF-8C957C12A8FA}" destId="{76CC3289-2662-43F0-A3C6-BA04A135F08C}" srcOrd="3" destOrd="0" parTransId="{D46DB4DA-1442-4ECE-89FE-BBB1E3489E3D}" sibTransId="{FA28C9D6-476E-43CD-BA23-D6D990FD78D0}"/>
+    <dgm:cxn modelId="{7F0DAB6F-9257-4F2D-B31A-3418F73F6952}" srcId="{7D9C16A6-8C48-4165-8DAF-8C957C12A8FA}" destId="{91A66877-AC1C-46D9-BF2C-6024B638DEA9}" srcOrd="2" destOrd="0" parTransId="{913FED05-DF41-48A7-B1F8-81937A468EF9}" sibTransId="{BFCE4A28-C381-46FF-935A-B11534EF7D87}"/>
+    <dgm:cxn modelId="{BD5135A2-FDCE-0247-99D6-A40CB1BBA0FC}" type="presOf" srcId="{76CC3289-2662-43F0-A3C6-BA04A135F08C}" destId="{133097FC-B1F8-4953-B0AB-E8E73D968D1C}" srcOrd="0" destOrd="0" presId="urn:microsoft.com/office/officeart/2018/2/layout/IconLabelList"/>
+    <dgm:cxn modelId="{B2C9C4B5-5517-7D42-89C7-DBDBD8B38FE1}" type="presOf" srcId="{91A66877-AC1C-46D9-BF2C-6024B638DEA9}" destId="{55120873-6F5C-4053-8EAD-6287A7F1097E}" srcOrd="0" destOrd="0" presId="urn:microsoft.com/office/officeart/2018/2/layout/IconLabelList"/>
+    <dgm:cxn modelId="{56BD30AF-4BCF-0748-A460-C6C6D8F5388F}" type="presParOf" srcId="{8994D886-A75F-411A-A9D7-D31991FF12BD}" destId="{E1DBA6D5-BD14-4CD2-A0CC-80F867FEFA81}" srcOrd="0" destOrd="0" presId="urn:microsoft.com/office/officeart/2018/2/layout/IconLabelList"/>
+    <dgm:cxn modelId="{84002AEC-279E-994C-A769-492358C88851}" type="presParOf" srcId="{E1DBA6D5-BD14-4CD2-A0CC-80F867FEFA81}" destId="{19A8DC21-3E65-409D-AD53-DA51BB9198A0}" srcOrd="0" destOrd="0" presId="urn:microsoft.com/office/officeart/2018/2/layout/IconLabelList"/>
+    <dgm:cxn modelId="{301758BD-F84B-3C4B-9C5C-3238AEA0BAAF}" type="presParOf" srcId="{E1DBA6D5-BD14-4CD2-A0CC-80F867FEFA81}" destId="{B9F90A48-FF94-4C94-A587-0190406F6FD3}" srcOrd="1" destOrd="0" presId="urn:microsoft.com/office/officeart/2018/2/layout/IconLabelList"/>
+    <dgm:cxn modelId="{7009BEDE-848A-3541-9829-F982FB23111D}" type="presParOf" srcId="{E1DBA6D5-BD14-4CD2-A0CC-80F867FEFA81}" destId="{A99B5DD6-89E9-4537-B415-4205CEB9323A}" srcOrd="2" destOrd="0" presId="urn:microsoft.com/office/officeart/2018/2/layout/IconLabelList"/>
+    <dgm:cxn modelId="{567C543F-7E6E-4841-9C85-0555666B4A59}" type="presParOf" srcId="{8994D886-A75F-411A-A9D7-D31991FF12BD}" destId="{8B391436-B9B0-45BD-A57F-792D6376D868}" srcOrd="1" destOrd="0" presId="urn:microsoft.com/office/officeart/2018/2/layout/IconLabelList"/>
+    <dgm:cxn modelId="{A8CDB10E-20AE-674A-BEE2-0E6763F164D6}" type="presParOf" srcId="{8994D886-A75F-411A-A9D7-D31991FF12BD}" destId="{7E4066D1-CDE2-F848-9DAC-14FD996C3216}" srcOrd="2" destOrd="0" presId="urn:microsoft.com/office/officeart/2018/2/layout/IconLabelList"/>
+    <dgm:cxn modelId="{F7D0BBD1-C09C-CA42-A89A-B3A6468657FF}" type="presParOf" srcId="{7E4066D1-CDE2-F848-9DAC-14FD996C3216}" destId="{8FEAEA9C-E45A-9148-8890-765BDE450FBB}" srcOrd="0" destOrd="0" presId="urn:microsoft.com/office/officeart/2018/2/layout/IconLabelList"/>
+    <dgm:cxn modelId="{6C9C0F95-4B2B-3347-9C13-935A99A5856A}" type="presParOf" srcId="{7E4066D1-CDE2-F848-9DAC-14FD996C3216}" destId="{C794535C-CDF2-E045-BC0D-43EC620B4010}" srcOrd="1" destOrd="0" presId="urn:microsoft.com/office/officeart/2018/2/layout/IconLabelList"/>
+    <dgm:cxn modelId="{8920B08E-6190-E046-AEAC-8C622D7CAFC4}" type="presParOf" srcId="{7E4066D1-CDE2-F848-9DAC-14FD996C3216}" destId="{69B54B07-3C89-7043-AA0A-41B2A8DF4974}" srcOrd="2" destOrd="0" presId="urn:microsoft.com/office/officeart/2018/2/layout/IconLabelList"/>
+    <dgm:cxn modelId="{432D34CF-34B0-9A40-AA5F-AD728C237C05}" type="presParOf" srcId="{8994D886-A75F-411A-A9D7-D31991FF12BD}" destId="{F4426319-5B13-584F-A38B-DCA399104C2B}" srcOrd="3" destOrd="0" presId="urn:microsoft.com/office/officeart/2018/2/layout/IconLabelList"/>
+    <dgm:cxn modelId="{8B64A55A-2E3A-E849-AFCC-0E630085F4C8}" type="presParOf" srcId="{8994D886-A75F-411A-A9D7-D31991FF12BD}" destId="{95872155-C45D-46D3-874C-D838089A06F8}" srcOrd="4" destOrd="0" presId="urn:microsoft.com/office/officeart/2018/2/layout/IconLabelList"/>
+    <dgm:cxn modelId="{320D68D3-F8F0-A849-BE16-8F80CA07A21A}" type="presParOf" srcId="{95872155-C45D-46D3-874C-D838089A06F8}" destId="{CE9DF0E8-B0DE-4E1E-9FF4-6006AD8428DB}" srcOrd="0" destOrd="0" presId="urn:microsoft.com/office/officeart/2018/2/layout/IconLabelList"/>
+    <dgm:cxn modelId="{149F1749-59ED-E94D-A59C-9C19ADE80059}" type="presParOf" srcId="{95872155-C45D-46D3-874C-D838089A06F8}" destId="{AA0423A1-55B2-45E9-BFE7-3FBE5BDA65ED}" srcOrd="1" destOrd="0" presId="urn:microsoft.com/office/officeart/2018/2/layout/IconLabelList"/>
+    <dgm:cxn modelId="{9954E5AB-4897-FB47-BC71-A99C465446A2}" type="presParOf" srcId="{95872155-C45D-46D3-874C-D838089A06F8}" destId="{55120873-6F5C-4053-8EAD-6287A7F1097E}" srcOrd="2" destOrd="0" presId="urn:microsoft.com/office/officeart/2018/2/layout/IconLabelList"/>
+    <dgm:cxn modelId="{BBA67D64-F661-9A40-8872-3EE03CEB9252}" type="presParOf" srcId="{8994D886-A75F-411A-A9D7-D31991FF12BD}" destId="{F679C986-30E4-4F0A-A3A6-CAE528BFED76}" srcOrd="5" destOrd="0" presId="urn:microsoft.com/office/officeart/2018/2/layout/IconLabelList"/>
+    <dgm:cxn modelId="{35A2EC5F-1CDA-9042-B518-32B8FD0E3E6B}" type="presParOf" srcId="{8994D886-A75F-411A-A9D7-D31991FF12BD}" destId="{2EC2FDE3-8908-45C7-A3FD-EB370213FE69}" srcOrd="6" destOrd="0" presId="urn:microsoft.com/office/officeart/2018/2/layout/IconLabelList"/>
+    <dgm:cxn modelId="{4AD3D9CB-4108-6344-9A8B-D6318DB56A78}" type="presParOf" srcId="{2EC2FDE3-8908-45C7-A3FD-EB370213FE69}" destId="{6DB1FE51-13D0-4A38-AD6E-48D4371A1AF3}" srcOrd="0" destOrd="0" presId="urn:microsoft.com/office/officeart/2018/2/layout/IconLabelList"/>
+    <dgm:cxn modelId="{60B6B19D-3237-5D49-87F0-C44C7F3F98CE}" type="presParOf" srcId="{2EC2FDE3-8908-45C7-A3FD-EB370213FE69}" destId="{0928538A-05CC-4A79-BD5D-92F985D1EEE5}" srcOrd="1" destOrd="0" presId="urn:microsoft.com/office/officeart/2018/2/layout/IconLabelList"/>
+    <dgm:cxn modelId="{95C88A49-EC76-2340-BE04-D5DBE09AD3A1}" type="presParOf" srcId="{2EC2FDE3-8908-45C7-A3FD-EB370213FE69}" destId="{133097FC-B1F8-4953-B0AB-E8E73D968D1C}" srcOrd="2" destOrd="0" presId="urn:microsoft.com/office/officeart/2018/2/layout/IconLabelList"/>
   </dgm:cxnLst>
   <dgm:bg/>
   <dgm:whole/>
@@ -4386,8 +4431,8 @@
   </dgm:ptLst>
   <dgm:cxnLst>
     <dgm:cxn modelId="{A11E3B12-1828-45A7-86C3-BB85832DF84D}" type="presOf" srcId="{CA077D98-8478-47EA-B6A9-99ACE60C64D4}" destId="{D79B43FC-100B-4A0D-A4D5-0D2D04B99064}" srcOrd="0" destOrd="0" presId="urn:microsoft.com/office/officeart/2008/layout/VerticalCurvedList"/>
+    <dgm:cxn modelId="{29DA474E-5DFA-4C66-882F-319C49ABBB19}" type="presOf" srcId="{6750AC01-D39D-4F3A-9DC8-2A211EE986A2}" destId="{58319267-C71E-43C9-94E1-827D0616C7A7}" srcOrd="0" destOrd="0" presId="urn:microsoft.com/office/officeart/2008/layout/VerticalCurvedList"/>
     <dgm:cxn modelId="{0B5DAE5F-BCDC-4BF7-A6E7-CF856886A64D}" srcId="{7E5AA53B-3EEE-4DE4-BB81-9044890C2946}" destId="{6750AC01-D39D-4F3A-9DC8-2A211EE986A2}" srcOrd="0" destOrd="0" parTransId="{720680DC-AAA4-4434-A582-60EBCC5BA355}" sibTransId="{CA077D98-8478-47EA-B6A9-99ACE60C64D4}"/>
-    <dgm:cxn modelId="{29DA474E-5DFA-4C66-882F-319C49ABBB19}" type="presOf" srcId="{6750AC01-D39D-4F3A-9DC8-2A211EE986A2}" destId="{58319267-C71E-43C9-94E1-827D0616C7A7}" srcOrd="0" destOrd="0" presId="urn:microsoft.com/office/officeart/2008/layout/VerticalCurvedList"/>
     <dgm:cxn modelId="{7084AA77-BACB-46CB-AE4A-77B62D3ED1AF}" type="presOf" srcId="{5605D28D-2CE6-4513-8566-952984E21E14}" destId="{E131CE4A-9776-44F4-BC03-867682E21374}" srcOrd="0" destOrd="0" presId="urn:microsoft.com/office/officeart/2008/layout/VerticalCurvedList"/>
     <dgm:cxn modelId="{EDEF4F82-1237-4639-A0F7-385C1897CE66}" srcId="{7E5AA53B-3EEE-4DE4-BB81-9044890C2946}" destId="{0BEF68B8-1228-47BB-83B5-7B9CD1E3F84E}" srcOrd="1" destOrd="0" parTransId="{ED3A4BC2-B75A-4952-A38B-A42B5995DF05}" sibTransId="{FD949706-EDCC-4ADC-8EDF-8EDA49C92325}"/>
     <dgm:cxn modelId="{FAF3F884-F0CF-440F-8CB1-B7648AB1B138}" srcId="{7E5AA53B-3EEE-4DE4-BB81-9044890C2946}" destId="{5605D28D-2CE6-4513-8566-952984E21E14}" srcOrd="2" destOrd="0" parTransId="{EB15AB98-362B-4E70-A3DA-995FC3E8BA79}" sibTransId="{823D1971-2C4D-4EC5-A874-2F463DE37109}"/>
@@ -4479,8 +4524,8 @@
       </dsp:nvSpPr>
       <dsp:spPr>
         <a:xfrm>
-          <a:off x="288790" y="187676"/>
-          <a:ext cx="6518168" cy="375211"/>
+          <a:off x="338329" y="222674"/>
+          <a:ext cx="6468629" cy="445634"/>
         </a:xfrm>
         <a:prstGeom prst="rect">
           <a:avLst/>
@@ -4536,12 +4581,12 @@
         </a:fontRef>
       </dsp:style>
       <dsp:txBody>
-        <a:bodyPr spcFirstLastPara="0" vert="horz" wrap="square" lIns="297824" tIns="45720" rIns="45720" bIns="45720" numCol="1" spcCol="1270" anchor="ctr" anchorCtr="0">
+        <a:bodyPr spcFirstLastPara="0" vert="horz" wrap="square" lIns="353723" tIns="55880" rIns="55880" bIns="55880" numCol="1" spcCol="1270" anchor="ctr" anchorCtr="0">
           <a:noAutofit/>
         </a:bodyPr>
         <a:lstStyle/>
         <a:p>
-          <a:pPr marL="0" lvl="0" indent="0" algn="l" defTabSz="800100">
+          <a:pPr marL="0" lvl="0" indent="0" algn="l" defTabSz="977900">
             <a:lnSpc>
               <a:spcPct val="100000"/>
             </a:lnSpc>
@@ -4554,14 +4599,14 @@
             <a:buNone/>
           </a:pPr>
           <a:r>
-            <a:rPr lang="en-US" sz="1800" kern="1200" dirty="0"/>
+            <a:rPr lang="en-US" sz="2200" kern="1200" dirty="0"/>
             <a:t>Problem Definition</a:t>
           </a:r>
         </a:p>
       </dsp:txBody>
       <dsp:txXfrm>
-        <a:off x="288790" y="187676"/>
-        <a:ext cx="6518168" cy="375211"/>
+        <a:off x="338329" y="222674"/>
+        <a:ext cx="6468629" cy="445634"/>
       </dsp:txXfrm>
     </dsp:sp>
     <dsp:sp modelId="{07CB3071-D555-47DA-A36A-69EB91531FD8}">
@@ -4571,8 +4616,8 @@
       </dsp:nvSpPr>
       <dsp:spPr>
         <a:xfrm>
-          <a:off x="54283" y="140775"/>
-          <a:ext cx="469014" cy="469014"/>
+          <a:off x="59807" y="166970"/>
+          <a:ext cx="557043" cy="557043"/>
         </a:xfrm>
         <a:prstGeom prst="ellipse">
           <a:avLst/>
@@ -4618,8 +4663,8 @@
       </dsp:nvSpPr>
       <dsp:spPr>
         <a:xfrm>
-          <a:off x="597427" y="750422"/>
-          <a:ext cx="6209531" cy="375211"/>
+          <a:off x="657658" y="890913"/>
+          <a:ext cx="6149301" cy="445634"/>
         </a:xfrm>
         <a:prstGeom prst="rect">
           <a:avLst/>
@@ -4675,12 +4720,12 @@
         </a:fontRef>
       </dsp:style>
       <dsp:txBody>
-        <a:bodyPr spcFirstLastPara="0" vert="horz" wrap="square" lIns="297824" tIns="45720" rIns="45720" bIns="45720" numCol="1" spcCol="1270" anchor="ctr" anchorCtr="0">
+        <a:bodyPr spcFirstLastPara="0" vert="horz" wrap="square" lIns="353723" tIns="55880" rIns="55880" bIns="55880" numCol="1" spcCol="1270" anchor="ctr" anchorCtr="0">
           <a:noAutofit/>
         </a:bodyPr>
         <a:lstStyle/>
         <a:p>
-          <a:pPr marL="0" lvl="0" indent="0" algn="l" defTabSz="800100">
+          <a:pPr marL="0" lvl="0" indent="0" algn="l" defTabSz="977900">
             <a:lnSpc>
               <a:spcPct val="100000"/>
             </a:lnSpc>
@@ -4693,14 +4738,14 @@
             <a:buNone/>
           </a:pPr>
           <a:r>
-            <a:rPr lang="en-US" sz="1800" kern="1200" dirty="0"/>
+            <a:rPr lang="en-US" sz="2200" kern="1200" dirty="0"/>
             <a:t>Reference Design</a:t>
           </a:r>
         </a:p>
       </dsp:txBody>
       <dsp:txXfrm>
-        <a:off x="597427" y="750422"/>
-        <a:ext cx="6209531" cy="375211"/>
+        <a:off x="657658" y="890913"/>
+        <a:ext cx="6149301" cy="445634"/>
       </dsp:txXfrm>
     </dsp:sp>
     <dsp:sp modelId="{3F8116AC-FAC3-4E95-9865-93CCFEB191B9}">
@@ -4710,8 +4755,8 @@
       </dsp:nvSpPr>
       <dsp:spPr>
         <a:xfrm>
-          <a:off x="362920" y="703521"/>
-          <a:ext cx="469014" cy="469014"/>
+          <a:off x="379136" y="835208"/>
+          <a:ext cx="557043" cy="557043"/>
         </a:xfrm>
         <a:prstGeom prst="ellipse">
           <a:avLst/>
@@ -4750,15 +4795,15 @@
         <a:fontRef idx="minor"/>
       </dsp:style>
     </dsp:sp>
-    <dsp:sp modelId="{E131CE4A-9776-44F4-BC03-867682E21374}">
+    <dsp:sp modelId="{4C595A58-1A51-314B-9F87-4EBB3EC1516D}">
       <dsp:nvSpPr>
         <dsp:cNvPr id="0" name=""/>
         <dsp:cNvSpPr/>
       </dsp:nvSpPr>
       <dsp:spPr>
         <a:xfrm>
-          <a:off x="738559" y="1313168"/>
-          <a:ext cx="6068399" cy="375211"/>
+          <a:off x="755666" y="1559151"/>
+          <a:ext cx="6051292" cy="445634"/>
         </a:xfrm>
         <a:prstGeom prst="rect">
           <a:avLst/>
@@ -4814,14 +4859,14 @@
         </a:fontRef>
       </dsp:style>
       <dsp:txBody>
-        <a:bodyPr spcFirstLastPara="0" vert="horz" wrap="square" lIns="297824" tIns="45720" rIns="45720" bIns="45720" numCol="1" spcCol="1270" anchor="ctr" anchorCtr="0">
+        <a:bodyPr spcFirstLastPara="0" vert="horz" wrap="square" lIns="353723" tIns="55880" rIns="55880" bIns="55880" numCol="1" spcCol="1270" anchor="ctr" anchorCtr="0">
           <a:noAutofit/>
         </a:bodyPr>
         <a:lstStyle/>
         <a:p>
-          <a:pPr marL="0" lvl="0" indent="0" algn="l" defTabSz="800100">
+          <a:pPr marL="0" lvl="0" indent="0" algn="l" defTabSz="977900">
             <a:lnSpc>
-              <a:spcPct val="100000"/>
+              <a:spcPct val="90000"/>
             </a:lnSpc>
             <a:spcBef>
               <a:spcPct val="0"/>
@@ -4832,25 +4877,25 @@
             <a:buNone/>
           </a:pPr>
           <a:r>
-            <a:rPr lang="en-US" sz="1800" kern="1200" dirty="0"/>
-            <a:t>Magnetic Reluctance Computation Method</a:t>
+            <a:rPr lang="en-US" sz="2200" kern="1200" dirty="0"/>
+            <a:t>Multi-physics Model</a:t>
           </a:r>
         </a:p>
       </dsp:txBody>
       <dsp:txXfrm>
-        <a:off x="738559" y="1313168"/>
-        <a:ext cx="6068399" cy="375211"/>
+        <a:off x="755666" y="1559151"/>
+        <a:ext cx="6051292" cy="445634"/>
       </dsp:txXfrm>
     </dsp:sp>
-    <dsp:sp modelId="{A965097E-32F1-4AB8-8C4E-2814A7596B2F}">
+    <dsp:sp modelId="{39DE2751-3DD1-40B4-9A01-07CF58FE6477}">
       <dsp:nvSpPr>
         <dsp:cNvPr id="0" name=""/>
         <dsp:cNvSpPr/>
       </dsp:nvSpPr>
       <dsp:spPr>
         <a:xfrm>
-          <a:off x="504052" y="1266267"/>
-          <a:ext cx="469014" cy="469014"/>
+          <a:off x="477144" y="1503447"/>
+          <a:ext cx="557043" cy="557043"/>
         </a:xfrm>
         <a:prstGeom prst="ellipse">
           <a:avLst/>
@@ -4889,15 +4934,15 @@
         <a:fontRef idx="minor"/>
       </dsp:style>
     </dsp:sp>
-    <dsp:sp modelId="{F7E97CC6-B3C8-43FE-88CC-6D93D26DBE35}">
+    <dsp:sp modelId="{35BF3E13-99B9-7E45-9E47-1D911F615C53}">
       <dsp:nvSpPr>
         <dsp:cNvPr id="0" name=""/>
         <dsp:cNvSpPr/>
       </dsp:nvSpPr>
       <dsp:spPr>
         <a:xfrm>
-          <a:off x="738559" y="1875558"/>
-          <a:ext cx="6068399" cy="375211"/>
+          <a:off x="657658" y="2227389"/>
+          <a:ext cx="6149301" cy="445634"/>
         </a:xfrm>
         <a:prstGeom prst="rect">
           <a:avLst/>
@@ -4953,12 +4998,12 @@
         </a:fontRef>
       </dsp:style>
       <dsp:txBody>
-        <a:bodyPr spcFirstLastPara="0" vert="horz" wrap="square" lIns="297824" tIns="45720" rIns="45720" bIns="45720" numCol="1" spcCol="1270" anchor="ctr" anchorCtr="0">
+        <a:bodyPr spcFirstLastPara="0" vert="horz" wrap="square" lIns="353723" tIns="55880" rIns="55880" bIns="55880" numCol="1" spcCol="1270" anchor="ctr" anchorCtr="0">
           <a:noAutofit/>
         </a:bodyPr>
         <a:lstStyle/>
         <a:p>
-          <a:pPr marL="0" lvl="0" indent="0" algn="l" defTabSz="800100">
+          <a:pPr marL="0" lvl="0" indent="0" algn="l" defTabSz="977900">
             <a:lnSpc>
               <a:spcPct val="90000"/>
             </a:lnSpc>
@@ -4971,25 +5016,25 @@
             <a:buNone/>
           </a:pPr>
           <a:r>
-            <a:rPr lang="en-US" sz="1800" kern="1200" dirty="0"/>
-            <a:t>Multi-physics Model</a:t>
+            <a:rPr lang="en-US" sz="2200" kern="1200" dirty="0"/>
+            <a:t>Simulation</a:t>
           </a:r>
         </a:p>
       </dsp:txBody>
       <dsp:txXfrm>
-        <a:off x="738559" y="1875558"/>
-        <a:ext cx="6068399" cy="375211"/>
+        <a:off x="657658" y="2227389"/>
+        <a:ext cx="6149301" cy="445634"/>
       </dsp:txXfrm>
     </dsp:sp>
-    <dsp:sp modelId="{39DE2751-3DD1-40B4-9A01-07CF58FE6477}">
+    <dsp:sp modelId="{98EAAC40-9CC0-4DCE-A6A9-184C2A872472}">
       <dsp:nvSpPr>
         <dsp:cNvPr id="0" name=""/>
         <dsp:cNvSpPr/>
       </dsp:nvSpPr>
       <dsp:spPr>
         <a:xfrm>
-          <a:off x="504052" y="1828656"/>
-          <a:ext cx="469014" cy="469014"/>
+          <a:off x="379136" y="2171685"/>
+          <a:ext cx="557043" cy="557043"/>
         </a:xfrm>
         <a:prstGeom prst="ellipse">
           <a:avLst/>
@@ -5028,15 +5073,15 @@
         <a:fontRef idx="minor"/>
       </dsp:style>
     </dsp:sp>
-    <dsp:sp modelId="{6D55B031-552C-4155-B39C-54567D7948E0}">
+    <dsp:sp modelId="{4AC1E3F0-0B44-B74F-A5FC-60EF9B468683}">
       <dsp:nvSpPr>
         <dsp:cNvPr id="0" name=""/>
         <dsp:cNvSpPr/>
       </dsp:nvSpPr>
       <dsp:spPr>
         <a:xfrm>
-          <a:off x="597427" y="2438303"/>
-          <a:ext cx="6209531" cy="375211"/>
+          <a:off x="338329" y="2895628"/>
+          <a:ext cx="6468629" cy="445634"/>
         </a:xfrm>
         <a:prstGeom prst="rect">
           <a:avLst/>
@@ -5092,12 +5137,12 @@
         </a:fontRef>
       </dsp:style>
       <dsp:txBody>
-        <a:bodyPr spcFirstLastPara="0" vert="horz" wrap="square" lIns="297824" tIns="45720" rIns="45720" bIns="45720" numCol="1" spcCol="1270" anchor="ctr" anchorCtr="0">
+        <a:bodyPr spcFirstLastPara="0" vert="horz" wrap="square" lIns="353723" tIns="55880" rIns="55880" bIns="55880" numCol="1" spcCol="1270" anchor="ctr" anchorCtr="0">
           <a:noAutofit/>
         </a:bodyPr>
         <a:lstStyle/>
         <a:p>
-          <a:pPr marL="0" lvl="0" indent="0" algn="l" defTabSz="800100">
+          <a:pPr marL="0" lvl="0" indent="0" algn="l" defTabSz="977900">
             <a:lnSpc>
               <a:spcPct val="90000"/>
             </a:lnSpc>
@@ -5110,153 +5155,14 @@
             <a:buNone/>
           </a:pPr>
           <a:r>
-            <a:rPr lang="en-US" sz="1800" kern="1200" dirty="0"/>
-            <a:t>Simulation</a:t>
-          </a:r>
-        </a:p>
-      </dsp:txBody>
-      <dsp:txXfrm>
-        <a:off x="597427" y="2438303"/>
-        <a:ext cx="6209531" cy="375211"/>
-      </dsp:txXfrm>
-    </dsp:sp>
-    <dsp:sp modelId="{98EAAC40-9CC0-4DCE-A6A9-184C2A872472}">
-      <dsp:nvSpPr>
-        <dsp:cNvPr id="0" name=""/>
-        <dsp:cNvSpPr/>
-      </dsp:nvSpPr>
-      <dsp:spPr>
-        <a:xfrm>
-          <a:off x="362920" y="2391402"/>
-          <a:ext cx="469014" cy="469014"/>
-        </a:xfrm>
-        <a:prstGeom prst="ellipse">
-          <a:avLst/>
-        </a:prstGeom>
-        <a:solidFill>
-          <a:schemeClr val="lt1">
-            <a:hueOff val="0"/>
-            <a:satOff val="0"/>
-            <a:lumOff val="0"/>
-            <a:alphaOff val="0"/>
-          </a:schemeClr>
-        </a:solidFill>
-        <a:ln w="12700" cap="rnd" cmpd="sng" algn="ctr">
-          <a:solidFill>
-            <a:schemeClr val="accent2">
-              <a:hueOff val="0"/>
-              <a:satOff val="0"/>
-              <a:lumOff val="0"/>
-              <a:alphaOff val="0"/>
-            </a:schemeClr>
-          </a:solidFill>
-          <a:prstDash val="solid"/>
-        </a:ln>
-        <a:effectLst/>
-      </dsp:spPr>
-      <dsp:style>
-        <a:lnRef idx="1">
-          <a:scrgbClr r="0" g="0" b="0"/>
-        </a:lnRef>
-        <a:fillRef idx="1">
-          <a:scrgbClr r="0" g="0" b="0"/>
-        </a:fillRef>
-        <a:effectRef idx="0">
-          <a:scrgbClr r="0" g="0" b="0"/>
-        </a:effectRef>
-        <a:fontRef idx="minor"/>
-      </dsp:style>
-    </dsp:sp>
-    <dsp:sp modelId="{A1CF9AE9-C1BC-48DD-8697-C1D8628DEF23}">
-      <dsp:nvSpPr>
-        <dsp:cNvPr id="0" name=""/>
-        <dsp:cNvSpPr/>
-      </dsp:nvSpPr>
-      <dsp:spPr>
-        <a:xfrm>
-          <a:off x="288790" y="3001049"/>
-          <a:ext cx="6518168" cy="375211"/>
-        </a:xfrm>
-        <a:prstGeom prst="rect">
-          <a:avLst/>
-        </a:prstGeom>
-        <a:gradFill rotWithShape="0">
-          <a:gsLst>
-            <a:gs pos="0">
-              <a:schemeClr val="accent2">
-                <a:hueOff val="0"/>
-                <a:satOff val="0"/>
-                <a:lumOff val="0"/>
-                <a:alphaOff val="0"/>
-                <a:tint val="98000"/>
-                <a:lumMod val="110000"/>
-              </a:schemeClr>
-            </a:gs>
-            <a:gs pos="84000">
-              <a:schemeClr val="accent2">
-                <a:hueOff val="0"/>
-                <a:satOff val="0"/>
-                <a:lumOff val="0"/>
-                <a:alphaOff val="0"/>
-                <a:shade val="90000"/>
-                <a:lumMod val="88000"/>
-              </a:schemeClr>
-            </a:gs>
-          </a:gsLst>
-          <a:lin ang="5400000" scaled="0"/>
-        </a:gradFill>
-        <a:ln>
-          <a:noFill/>
-        </a:ln>
-        <a:effectLst>
-          <a:outerShdw blurRad="38100" dist="25400" dir="5400000" rotWithShape="0">
-            <a:srgbClr val="000000">
-              <a:alpha val="55000"/>
-            </a:srgbClr>
-          </a:outerShdw>
-        </a:effectLst>
-      </dsp:spPr>
-      <dsp:style>
-        <a:lnRef idx="0">
-          <a:scrgbClr r="0" g="0" b="0"/>
-        </a:lnRef>
-        <a:fillRef idx="3">
-          <a:scrgbClr r="0" g="0" b="0"/>
-        </a:fillRef>
-        <a:effectRef idx="2">
-          <a:scrgbClr r="0" g="0" b="0"/>
-        </a:effectRef>
-        <a:fontRef idx="minor">
-          <a:schemeClr val="lt1"/>
-        </a:fontRef>
-      </dsp:style>
-      <dsp:txBody>
-        <a:bodyPr spcFirstLastPara="0" vert="horz" wrap="square" lIns="297824" tIns="45720" rIns="45720" bIns="45720" numCol="1" spcCol="1270" anchor="ctr" anchorCtr="0">
-          <a:noAutofit/>
-        </a:bodyPr>
-        <a:lstStyle/>
-        <a:p>
-          <a:pPr marL="0" lvl="0" indent="0" algn="l" defTabSz="800100">
-            <a:lnSpc>
-              <a:spcPct val="90000"/>
-            </a:lnSpc>
-            <a:spcBef>
-              <a:spcPct val="0"/>
-            </a:spcBef>
-            <a:spcAft>
-              <a:spcPct val="35000"/>
-            </a:spcAft>
-            <a:buNone/>
-          </a:pPr>
-          <a:r>
-            <a:rPr lang="en-US" sz="1800" kern="1200" dirty="0"/>
+            <a:rPr lang="en-US" sz="2200" kern="1200" dirty="0"/>
             <a:t>Optimization</a:t>
           </a:r>
         </a:p>
       </dsp:txBody>
       <dsp:txXfrm>
-        <a:off x="288790" y="3001049"/>
-        <a:ext cx="6518168" cy="375211"/>
+        <a:off x="338329" y="2895628"/>
+        <a:ext cx="6468629" cy="445634"/>
       </dsp:txXfrm>
     </dsp:sp>
     <dsp:sp modelId="{4DF89166-A499-4F85-8200-1373A67DECB5}">
@@ -5266,8 +5172,8 @@
       </dsp:nvSpPr>
       <dsp:spPr>
         <a:xfrm>
-          <a:off x="54283" y="2954148"/>
-          <a:ext cx="469014" cy="469014"/>
+          <a:off x="59807" y="2839923"/>
+          <a:ext cx="557043" cy="557043"/>
         </a:xfrm>
         <a:prstGeom prst="ellipse">
           <a:avLst/>
@@ -5325,8 +5231,8 @@
       </dsp:nvSpPr>
       <dsp:spPr>
         <a:xfrm>
-          <a:off x="523237" y="494935"/>
-          <a:ext cx="2285995" cy="2285995"/>
+          <a:off x="437238" y="776247"/>
+          <a:ext cx="1680455" cy="1680455"/>
         </a:xfrm>
         <a:prstGeom prst="rect">
           <a:avLst/>
@@ -5372,8 +5278,8 @@
       </dsp:nvSpPr>
       <dsp:spPr>
         <a:xfrm>
-          <a:off x="54818" y="2746269"/>
-          <a:ext cx="3222832" cy="720000"/>
+          <a:off x="92899" y="2464957"/>
+          <a:ext cx="2369132" cy="720000"/>
         </a:xfrm>
         <a:prstGeom prst="rect">
           <a:avLst/>
@@ -5404,7 +5310,7 @@
         <a:p>
           <a:pPr marL="0" lvl="0" indent="0" algn="ctr" defTabSz="1600200">
             <a:lnSpc>
-              <a:spcPct val="90000"/>
+              <a:spcPct val="100000"/>
             </a:lnSpc>
             <a:spcBef>
               <a:spcPct val="0"/>
@@ -5422,19 +5328,19 @@
         </a:p>
       </dsp:txBody>
       <dsp:txXfrm>
-        <a:off x="54818" y="2746269"/>
-        <a:ext cx="3222832" cy="720000"/>
+        <a:off x="92899" y="2464957"/>
+        <a:ext cx="2369132" cy="720000"/>
       </dsp:txXfrm>
     </dsp:sp>
-    <dsp:sp modelId="{CE9DF0E8-B0DE-4E1E-9FF4-6006AD8428DB}">
+    <dsp:sp modelId="{8FEAEA9C-E45A-9148-8890-765BDE450FBB}">
       <dsp:nvSpPr>
         <dsp:cNvPr id="0" name=""/>
         <dsp:cNvSpPr/>
       </dsp:nvSpPr>
       <dsp:spPr>
         <a:xfrm>
-          <a:off x="4310064" y="494935"/>
-          <a:ext cx="2285995" cy="2285995"/>
+          <a:off x="3187397" y="787124"/>
+          <a:ext cx="1747599" cy="1636947"/>
         </a:xfrm>
         <a:prstGeom prst="rect">
           <a:avLst/>
@@ -5453,7 +5359,15 @@
           </a:stretch>
         </a:blipFill>
         <a:ln w="22225" cap="rnd" cmpd="sng" algn="ctr">
-          <a:noFill/>
+          <a:solidFill>
+            <a:schemeClr val="lt1">
+              <a:alpha val="0"/>
+              <a:hueOff val="0"/>
+              <a:satOff val="0"/>
+              <a:lumOff val="0"/>
+              <a:alphaOff val="0"/>
+            </a:schemeClr>
+          </a:solidFill>
           <a:prstDash val="solid"/>
         </a:ln>
         <a:effectLst/>
@@ -5473,15 +5387,15 @@
         </a:fontRef>
       </dsp:style>
     </dsp:sp>
-    <dsp:sp modelId="{55120873-6F5C-4053-8EAD-6287A7F1097E}">
+    <dsp:sp modelId="{69B54B07-3C89-7043-AA0A-41B2A8DF4974}">
       <dsp:nvSpPr>
         <dsp:cNvPr id="0" name=""/>
         <dsp:cNvSpPr/>
       </dsp:nvSpPr>
       <dsp:spPr>
         <a:xfrm>
-          <a:off x="3841646" y="2746269"/>
-          <a:ext cx="3222832" cy="720000"/>
+          <a:off x="2876630" y="2454080"/>
+          <a:ext cx="2369132" cy="720000"/>
         </a:xfrm>
         <a:prstGeom prst="rect">
           <a:avLst/>
@@ -5512,7 +5426,7 @@
         <a:p>
           <a:pPr marL="0" lvl="0" indent="0" algn="ctr" defTabSz="1600200">
             <a:lnSpc>
-              <a:spcPct val="90000"/>
+              <a:spcPct val="100000"/>
             </a:lnSpc>
             <a:spcBef>
               <a:spcPct val="0"/>
@@ -5523,25 +5437,25 @@
             <a:buNone/>
           </a:pPr>
           <a:r>
-            <a:rPr lang="en-US" sz="3600" kern="1200" dirty="0"/>
-            <a:t>Electrical</a:t>
+            <a:rPr lang="en-US" sz="3600" kern="1200"/>
+            <a:t>Magnetic</a:t>
           </a:r>
         </a:p>
       </dsp:txBody>
       <dsp:txXfrm>
-        <a:off x="3841646" y="2746269"/>
-        <a:ext cx="3222832" cy="720000"/>
+        <a:off x="2876630" y="2454080"/>
+        <a:ext cx="2369132" cy="720000"/>
       </dsp:txXfrm>
     </dsp:sp>
-    <dsp:sp modelId="{6DB1FE51-13D0-4A38-AD6E-48D4371A1AF3}">
+    <dsp:sp modelId="{CE9DF0E8-B0DE-4E1E-9FF4-6006AD8428DB}">
       <dsp:nvSpPr>
         <dsp:cNvPr id="0" name=""/>
         <dsp:cNvSpPr/>
       </dsp:nvSpPr>
       <dsp:spPr>
         <a:xfrm>
-          <a:off x="8096892" y="494935"/>
-          <a:ext cx="2285995" cy="2285995"/>
+          <a:off x="6004700" y="776247"/>
+          <a:ext cx="1680455" cy="1680455"/>
         </a:xfrm>
         <a:prstGeom prst="rect">
           <a:avLst/>
@@ -5580,15 +5494,15 @@
         </a:fontRef>
       </dsp:style>
     </dsp:sp>
-    <dsp:sp modelId="{133097FC-B1F8-4953-B0AB-E8E73D968D1C}">
+    <dsp:sp modelId="{55120873-6F5C-4053-8EAD-6287A7F1097E}">
       <dsp:nvSpPr>
         <dsp:cNvPr id="0" name=""/>
         <dsp:cNvSpPr/>
       </dsp:nvSpPr>
       <dsp:spPr>
         <a:xfrm>
-          <a:off x="7628474" y="2746269"/>
-          <a:ext cx="3222832" cy="720000"/>
+          <a:off x="5660361" y="2464957"/>
+          <a:ext cx="2369132" cy="720000"/>
         </a:xfrm>
         <a:prstGeom prst="rect">
           <a:avLst/>
@@ -5619,7 +5533,114 @@
         <a:p>
           <a:pPr marL="0" lvl="0" indent="0" algn="ctr" defTabSz="1600200">
             <a:lnSpc>
-              <a:spcPct val="90000"/>
+              <a:spcPct val="100000"/>
+            </a:lnSpc>
+            <a:spcBef>
+              <a:spcPct val="0"/>
+            </a:spcBef>
+            <a:spcAft>
+              <a:spcPct val="35000"/>
+            </a:spcAft>
+            <a:buNone/>
+          </a:pPr>
+          <a:r>
+            <a:rPr lang="en-US" sz="3600" kern="1200" dirty="0"/>
+            <a:t>Electrical</a:t>
+          </a:r>
+        </a:p>
+      </dsp:txBody>
+      <dsp:txXfrm>
+        <a:off x="5660361" y="2464957"/>
+        <a:ext cx="2369132" cy="720000"/>
+      </dsp:txXfrm>
+    </dsp:sp>
+    <dsp:sp modelId="{6DB1FE51-13D0-4A38-AD6E-48D4371A1AF3}">
+      <dsp:nvSpPr>
+        <dsp:cNvPr id="0" name=""/>
+        <dsp:cNvSpPr/>
+      </dsp:nvSpPr>
+      <dsp:spPr>
+        <a:xfrm>
+          <a:off x="8788431" y="776247"/>
+          <a:ext cx="1680455" cy="1680455"/>
+        </a:xfrm>
+        <a:prstGeom prst="rect">
+          <a:avLst/>
+        </a:prstGeom>
+        <a:blipFill>
+          <a:blip xmlns:r="http://schemas.openxmlformats.org/officeDocument/2006/relationships" r:embed="rId7">
+            <a:extLst>
+              <a:ext uri="{96DAC541-7B7A-43D3-8B79-37D633B846F1}">
+                <asvg:svgBlip xmlns:asvg="http://schemas.microsoft.com/office/drawing/2016/SVG/main" r:embed="rId8"/>
+              </a:ext>
+            </a:extLst>
+          </a:blip>
+          <a:srcRect/>
+          <a:stretch>
+            <a:fillRect/>
+          </a:stretch>
+        </a:blipFill>
+        <a:ln w="22225" cap="rnd" cmpd="sng" algn="ctr">
+          <a:noFill/>
+          <a:prstDash val="solid"/>
+        </a:ln>
+        <a:effectLst/>
+      </dsp:spPr>
+      <dsp:style>
+        <a:lnRef idx="2">
+          <a:scrgbClr r="0" g="0" b="0"/>
+        </a:lnRef>
+        <a:fillRef idx="1">
+          <a:scrgbClr r="0" g="0" b="0"/>
+        </a:fillRef>
+        <a:effectRef idx="0">
+          <a:scrgbClr r="0" g="0" b="0"/>
+        </a:effectRef>
+        <a:fontRef idx="minor">
+          <a:schemeClr val="lt1"/>
+        </a:fontRef>
+      </dsp:style>
+    </dsp:sp>
+    <dsp:sp modelId="{133097FC-B1F8-4953-B0AB-E8E73D968D1C}">
+      <dsp:nvSpPr>
+        <dsp:cNvPr id="0" name=""/>
+        <dsp:cNvSpPr/>
+      </dsp:nvSpPr>
+      <dsp:spPr>
+        <a:xfrm>
+          <a:off x="8444092" y="2464957"/>
+          <a:ext cx="2369132" cy="720000"/>
+        </a:xfrm>
+        <a:prstGeom prst="rect">
+          <a:avLst/>
+        </a:prstGeom>
+        <a:noFill/>
+        <a:ln>
+          <a:noFill/>
+        </a:ln>
+        <a:effectLst/>
+      </dsp:spPr>
+      <dsp:style>
+        <a:lnRef idx="0">
+          <a:scrgbClr r="0" g="0" b="0"/>
+        </a:lnRef>
+        <a:fillRef idx="0">
+          <a:scrgbClr r="0" g="0" b="0"/>
+        </a:fillRef>
+        <a:effectRef idx="0">
+          <a:scrgbClr r="0" g="0" b="0"/>
+        </a:effectRef>
+        <a:fontRef idx="minor"/>
+      </dsp:style>
+      <dsp:txBody>
+        <a:bodyPr spcFirstLastPara="0" vert="horz" wrap="square" lIns="0" tIns="0" rIns="0" bIns="0" numCol="1" spcCol="1270" anchor="t" anchorCtr="0">
+          <a:noAutofit/>
+        </a:bodyPr>
+        <a:lstStyle/>
+        <a:p>
+          <a:pPr marL="0" lvl="0" indent="0" algn="ctr" defTabSz="1600200">
+            <a:lnSpc>
+              <a:spcPct val="100000"/>
             </a:lnSpc>
             <a:spcBef>
               <a:spcPct val="0"/>
@@ -5636,8 +5657,8 @@
         </a:p>
       </dsp:txBody>
       <dsp:txXfrm>
-        <a:off x="7628474" y="2746269"/>
-        <a:ext cx="3222832" cy="720000"/>
+        <a:off x="8444092" y="2464957"/>
+        <a:ext cx="2369132" cy="720000"/>
       </dsp:txXfrm>
     </dsp:sp>
   </dsp:spTree>
@@ -13618,7 +13639,7 @@
           <a:p>
             <a:fld id="{AF869721-F543-4A6C-BF9D-65D7CC540427}" type="datetimeFigureOut">
               <a:rPr lang="en-US" smtClean="0"/>
-              <a:t>12/20/2022</a:t>
+              <a:t>12/21/22</a:t>
             </a:fld>
             <a:endParaRPr lang="en-US" dirty="0"/>
           </a:p>
@@ -13795,7 +13816,7 @@
           <a:p>
             <a:fld id="{C732326A-4C88-4AFB-AA5B-5919D81DFF5B}" type="datetimeFigureOut">
               <a:rPr lang="en-US" smtClean="0"/>
-              <a:t>12/20/2022</a:t>
+              <a:t>12/21/22</a:t>
             </a:fld>
             <a:endParaRPr lang="en-US" dirty="0"/>
           </a:p>
@@ -14295,7 +14316,7 @@
           <a:p>
             <a:fld id="{C6B3AB32-59DF-41F1-9618-EDFBF5049629}" type="slidenum">
               <a:rPr lang="en-US" smtClean="0"/>
-              <a:t>11</a:t>
+              <a:t>6</a:t>
             </a:fld>
             <a:endParaRPr lang="en-US" dirty="0"/>
           </a:p>
@@ -14812,7 +14833,7 @@
             <a:fld id="{B61BEF0D-F0BB-DE4B-95CE-6DB70DBA9567}" type="datetimeFigureOut">
               <a:rPr lang="en-US" smtClean="0"/>
               <a:pPr/>
-              <a:t>12/20/2022</a:t>
+              <a:t>12/21/22</a:t>
             </a:fld>
             <a:endParaRPr lang="en-US" dirty="0"/>
           </a:p>
@@ -15076,7 +15097,7 @@
             <a:fld id="{B61BEF0D-F0BB-DE4B-95CE-6DB70DBA9567}" type="datetimeFigureOut">
               <a:rPr lang="en-US" smtClean="0"/>
               <a:pPr/>
-              <a:t>12/20/2022</a:t>
+              <a:t>12/21/22</a:t>
             </a:fld>
             <a:endParaRPr lang="en-US" dirty="0"/>
           </a:p>
@@ -15313,7 +15334,7 @@
             <a:fld id="{B61BEF0D-F0BB-DE4B-95CE-6DB70DBA9567}" type="datetimeFigureOut">
               <a:rPr lang="en-US" smtClean="0"/>
               <a:pPr/>
-              <a:t>12/20/2022</a:t>
+              <a:t>12/21/22</a:t>
             </a:fld>
             <a:endParaRPr lang="en-US" dirty="0"/>
           </a:p>
@@ -15555,7 +15576,7 @@
             <a:fld id="{B61BEF0D-F0BB-DE4B-95CE-6DB70DBA9567}" type="datetimeFigureOut">
               <a:rPr lang="en-US" smtClean="0"/>
               <a:pPr/>
-              <a:t>12/20/2022</a:t>
+              <a:t>12/21/22</a:t>
             </a:fld>
             <a:endParaRPr lang="en-US" dirty="0"/>
           </a:p>
@@ -15864,7 +15885,7 @@
             <a:fld id="{B61BEF0D-F0BB-DE4B-95CE-6DB70DBA9567}" type="datetimeFigureOut">
               <a:rPr lang="en-US" smtClean="0"/>
               <a:pPr/>
-              <a:t>12/20/2022</a:t>
+              <a:t>12/21/22</a:t>
             </a:fld>
             <a:endParaRPr lang="en-US" dirty="0"/>
           </a:p>
@@ -16168,7 +16189,7 @@
             <a:fld id="{B61BEF0D-F0BB-DE4B-95CE-6DB70DBA9567}" type="datetimeFigureOut">
               <a:rPr lang="en-US" smtClean="0"/>
               <a:pPr/>
-              <a:t>12/20/2022</a:t>
+              <a:t>12/21/22</a:t>
             </a:fld>
             <a:endParaRPr lang="en-US" dirty="0"/>
           </a:p>
@@ -16592,7 +16613,7 @@
             <a:fld id="{B61BEF0D-F0BB-DE4B-95CE-6DB70DBA9567}" type="datetimeFigureOut">
               <a:rPr lang="en-US" smtClean="0"/>
               <a:pPr/>
-              <a:t>12/20/2022</a:t>
+              <a:t>12/21/22</a:t>
             </a:fld>
             <a:endParaRPr lang="en-US" dirty="0"/>
           </a:p>
@@ -16689,7 +16710,7 @@
             <a:fld id="{B61BEF0D-F0BB-DE4B-95CE-6DB70DBA9567}" type="datetimeFigureOut">
               <a:rPr lang="en-US" smtClean="0"/>
               <a:pPr/>
-              <a:t>12/20/2022</a:t>
+              <a:t>12/21/22</a:t>
             </a:fld>
             <a:endParaRPr lang="en-US" dirty="0"/>
           </a:p>
@@ -16853,7 +16874,7 @@
             <a:fld id="{B61BEF0D-F0BB-DE4B-95CE-6DB70DBA9567}" type="datetimeFigureOut">
               <a:rPr lang="en-US" smtClean="0"/>
               <a:pPr/>
-              <a:t>12/20/2022</a:t>
+              <a:t>12/21/22</a:t>
             </a:fld>
             <a:endParaRPr lang="en-US" dirty="0"/>
           </a:p>
@@ -17233,7 +17254,7 @@
             <a:fld id="{B61BEF0D-F0BB-DE4B-95CE-6DB70DBA9567}" type="datetimeFigureOut">
               <a:rPr lang="en-US" smtClean="0"/>
               <a:pPr/>
-              <a:t>12/20/2022</a:t>
+              <a:t>12/21/22</a:t>
             </a:fld>
             <a:endParaRPr lang="en-US" dirty="0"/>
           </a:p>
@@ -17524,7 +17545,7 @@
             <a:fld id="{B61BEF0D-F0BB-DE4B-95CE-6DB70DBA9567}" type="datetimeFigureOut">
               <a:rPr lang="en-US" smtClean="0"/>
               <a:pPr/>
-              <a:t>12/20/2022</a:t>
+              <a:t>12/21/22</a:t>
             </a:fld>
             <a:endParaRPr lang="en-US" dirty="0"/>
           </a:p>
@@ -17737,7 +17758,7 @@
             <a:fld id="{B61BEF0D-F0BB-DE4B-95CE-6DB70DBA9567}" type="datetimeFigureOut">
               <a:rPr lang="en-US" smtClean="0"/>
               <a:pPr/>
-              <a:t>12/20/2022</a:t>
+              <a:t>12/21/22</a:t>
             </a:fld>
             <a:endParaRPr lang="en-US" dirty="0"/>
           </a:p>
@@ -18838,6 +18859,417 @@
           <a:p>
             <a:r>
               <a:rPr lang="en-US" dirty="0"/>
+              <a:t>Magnetic Model</a:t>
+            </a:r>
+            <a:br>
+              <a:rPr lang="en-US" dirty="0"/>
+            </a:br>
+            <a:r>
+              <a:rPr lang="en-US" dirty="0"/>
+              <a:t>Computing Magnetic Reluctance (CONT.)</a:t>
+            </a:r>
+          </a:p>
+        </p:txBody>
+      </p:sp>
+      <p:pic>
+        <p:nvPicPr>
+          <p:cNvPr id="6" name="Content Placeholder 5" descr="Chart, diagram&#10;&#10;Description automatically generated">
+            <a:extLst>
+              <a:ext uri="{FF2B5EF4-FFF2-40B4-BE49-F238E27FC236}">
+                <a16:creationId xmlns:a16="http://schemas.microsoft.com/office/drawing/2014/main" id="{8B580889-4802-10A7-5E4D-7F78EFE1F238}"/>
+              </a:ext>
+            </a:extLst>
+          </p:cNvPr>
+          <p:cNvPicPr>
+            <a:picLocks noGrp="1" noChangeAspect="1"/>
+          </p:cNvPicPr>
+          <p:nvPr>
+            <p:ph sz="half" idx="1"/>
+          </p:nvPr>
+        </p:nvPicPr>
+        <p:blipFill>
+          <a:blip r:embed="rId2"/>
+          <a:stretch>
+            <a:fillRect/>
+          </a:stretch>
+        </p:blipFill>
+        <p:spPr>
+          <a:xfrm>
+            <a:off x="1212784" y="1895191"/>
+            <a:ext cx="3290954" cy="4936433"/>
+          </a:xfrm>
+        </p:spPr>
+      </p:pic>
+      <p:sp>
+        <p:nvSpPr>
+          <p:cNvPr id="8" name="Content Placeholder 7">
+            <a:extLst>
+              <a:ext uri="{FF2B5EF4-FFF2-40B4-BE49-F238E27FC236}">
+                <a16:creationId xmlns:a16="http://schemas.microsoft.com/office/drawing/2014/main" id="{69B33CCE-F66C-0A6E-140E-8E96A3FD5889}"/>
+              </a:ext>
+            </a:extLst>
+          </p:cNvPr>
+          <p:cNvSpPr>
+            <a:spLocks noGrp="1"/>
+          </p:cNvSpPr>
+          <p:nvPr>
+            <p:ph sz="half" idx="2"/>
+          </p:nvPr>
+        </p:nvSpPr>
+        <p:spPr>
+          <a:xfrm>
+            <a:off x="6188417" y="2228004"/>
+            <a:ext cx="5422392" cy="988332"/>
+          </a:xfrm>
+        </p:spPr>
+        <p:txBody>
+          <a:bodyPr anchor="t"/>
+          <a:lstStyle/>
+          <a:p>
+            <a:endParaRPr lang="en-US" dirty="0"/>
+          </a:p>
+          <a:p>
+            <a:endParaRPr lang="en-US" dirty="0"/>
+          </a:p>
+        </p:txBody>
+      </p:sp>
+      <p:pic>
+        <p:nvPicPr>
+          <p:cNvPr id="4" name="Picture 3">
+            <a:extLst>
+              <a:ext uri="{FF2B5EF4-FFF2-40B4-BE49-F238E27FC236}">
+                <a16:creationId xmlns:a16="http://schemas.microsoft.com/office/drawing/2014/main" id="{91EED445-A755-01F1-58FC-8E7DC6AC11CF}"/>
+              </a:ext>
+            </a:extLst>
+          </p:cNvPr>
+          <p:cNvPicPr>
+            <a:picLocks noChangeAspect="1"/>
+          </p:cNvPicPr>
+          <p:nvPr/>
+        </p:nvPicPr>
+        <p:blipFill>
+          <a:blip r:embed="rId3"/>
+          <a:stretch>
+            <a:fillRect/>
+          </a:stretch>
+        </p:blipFill>
+        <p:spPr>
+          <a:xfrm>
+            <a:off x="5119521" y="1895191"/>
+            <a:ext cx="6010275" cy="1095375"/>
+          </a:xfrm>
+          <a:prstGeom prst="rect">
+            <a:avLst/>
+          </a:prstGeom>
+        </p:spPr>
+      </p:pic>
+      <p:pic>
+        <p:nvPicPr>
+          <p:cNvPr id="12" name="Picture 11">
+            <a:extLst>
+              <a:ext uri="{FF2B5EF4-FFF2-40B4-BE49-F238E27FC236}">
+                <a16:creationId xmlns:a16="http://schemas.microsoft.com/office/drawing/2014/main" id="{44B0099C-B015-E657-62B2-00E76D1FE0FD}"/>
+              </a:ext>
+            </a:extLst>
+          </p:cNvPr>
+          <p:cNvPicPr>
+            <a:picLocks noChangeAspect="1"/>
+          </p:cNvPicPr>
+          <p:nvPr/>
+        </p:nvPicPr>
+        <p:blipFill>
+          <a:blip r:embed="rId4"/>
+          <a:stretch>
+            <a:fillRect/>
+          </a:stretch>
+        </p:blipFill>
+        <p:spPr>
+          <a:xfrm>
+            <a:off x="5119521" y="4804736"/>
+            <a:ext cx="6972300" cy="1990725"/>
+          </a:xfrm>
+          <a:prstGeom prst="rect">
+            <a:avLst/>
+          </a:prstGeom>
+        </p:spPr>
+      </p:pic>
+      <p:pic>
+        <p:nvPicPr>
+          <p:cNvPr id="10" name="Picture 9">
+            <a:extLst>
+              <a:ext uri="{FF2B5EF4-FFF2-40B4-BE49-F238E27FC236}">
+                <a16:creationId xmlns:a16="http://schemas.microsoft.com/office/drawing/2014/main" id="{F3C1F1E3-984B-4923-3A49-2497E5B035E2}"/>
+              </a:ext>
+            </a:extLst>
+          </p:cNvPr>
+          <p:cNvPicPr>
+            <a:picLocks noChangeAspect="1"/>
+          </p:cNvPicPr>
+          <p:nvPr/>
+        </p:nvPicPr>
+        <p:blipFill>
+          <a:blip r:embed="rId5"/>
+          <a:stretch>
+            <a:fillRect/>
+          </a:stretch>
+        </p:blipFill>
+        <p:spPr>
+          <a:xfrm>
+            <a:off x="6719207" y="2844518"/>
+            <a:ext cx="3778538" cy="2109913"/>
+          </a:xfrm>
+          <a:prstGeom prst="rect">
+            <a:avLst/>
+          </a:prstGeom>
+        </p:spPr>
+      </p:pic>
+    </p:spTree>
+    <p:extLst>
+      <p:ext uri="{BB962C8B-B14F-4D97-AF65-F5344CB8AC3E}">
+        <p14:creationId xmlns:p14="http://schemas.microsoft.com/office/powerpoint/2010/main" val="1564269585"/>
+      </p:ext>
+    </p:extLst>
+  </p:cSld>
+  <p:clrMapOvr>
+    <a:masterClrMapping/>
+  </p:clrMapOvr>
+</p:sld>
+</file>
+
+<file path=ppt/slides/slide11.xml><?xml version="1.0" encoding="utf-8"?>
+<p:sld xmlns:a="http://schemas.openxmlformats.org/drawingml/2006/main" xmlns:r="http://schemas.openxmlformats.org/officeDocument/2006/relationships" xmlns:p="http://schemas.openxmlformats.org/presentationml/2006/main">
+  <p:cSld>
+    <p:spTree>
+      <p:nvGrpSpPr>
+        <p:cNvPr id="1" name=""/>
+        <p:cNvGrpSpPr/>
+        <p:nvPr/>
+      </p:nvGrpSpPr>
+      <p:grpSpPr>
+        <a:xfrm>
+          <a:off x="0" y="0"/>
+          <a:ext cx="0" cy="0"/>
+          <a:chOff x="0" y="0"/>
+          <a:chExt cx="0" cy="0"/>
+        </a:xfrm>
+      </p:grpSpPr>
+      <p:pic>
+        <p:nvPicPr>
+          <p:cNvPr id="9" name="Picture 8">
+            <a:extLst>
+              <a:ext uri="{FF2B5EF4-FFF2-40B4-BE49-F238E27FC236}">
+                <a16:creationId xmlns:a16="http://schemas.microsoft.com/office/drawing/2014/main" id="{970D88CA-BEFD-3584-847C-CB54A220251F}"/>
+              </a:ext>
+            </a:extLst>
+          </p:cNvPr>
+          <p:cNvPicPr>
+            <a:picLocks noChangeAspect="1"/>
+          </p:cNvPicPr>
+          <p:nvPr/>
+        </p:nvPicPr>
+        <p:blipFill>
+          <a:blip r:embed="rId2"/>
+          <a:stretch>
+            <a:fillRect/>
+          </a:stretch>
+        </p:blipFill>
+        <p:spPr>
+          <a:xfrm>
+            <a:off x="8598594" y="4223423"/>
+            <a:ext cx="3593406" cy="2608201"/>
+          </a:xfrm>
+          <a:prstGeom prst="rect">
+            <a:avLst/>
+          </a:prstGeom>
+        </p:spPr>
+      </p:pic>
+      <p:sp>
+        <p:nvSpPr>
+          <p:cNvPr id="2" name="Title 1">
+            <a:extLst>
+              <a:ext uri="{FF2B5EF4-FFF2-40B4-BE49-F238E27FC236}">
+                <a16:creationId xmlns:a16="http://schemas.microsoft.com/office/drawing/2014/main" id="{921633EB-7DCB-4DDC-80AF-C885A3EE1245}"/>
+              </a:ext>
+            </a:extLst>
+          </p:cNvPr>
+          <p:cNvSpPr>
+            <a:spLocks noGrp="1"/>
+          </p:cNvSpPr>
+          <p:nvPr>
+            <p:ph type="title"/>
+          </p:nvPr>
+        </p:nvSpPr>
+        <p:spPr/>
+        <p:txBody>
+          <a:bodyPr/>
+          <a:lstStyle/>
+          <a:p>
+            <a:r>
+              <a:rPr lang="en-US" dirty="0"/>
+              <a:t>Magnetic Model</a:t>
+            </a:r>
+            <a:br>
+              <a:rPr lang="en-US" dirty="0"/>
+            </a:br>
+            <a:r>
+              <a:rPr lang="en-US" dirty="0"/>
+              <a:t>Computing Magnetic Reluctance (Cont.)</a:t>
+            </a:r>
+          </a:p>
+        </p:txBody>
+      </p:sp>
+      <p:pic>
+        <p:nvPicPr>
+          <p:cNvPr id="6" name="Content Placeholder 5" descr="Chart, diagram&#10;&#10;Description automatically generated">
+            <a:extLst>
+              <a:ext uri="{FF2B5EF4-FFF2-40B4-BE49-F238E27FC236}">
+                <a16:creationId xmlns:a16="http://schemas.microsoft.com/office/drawing/2014/main" id="{8B580889-4802-10A7-5E4D-7F78EFE1F238}"/>
+              </a:ext>
+            </a:extLst>
+          </p:cNvPr>
+          <p:cNvPicPr>
+            <a:picLocks noGrp="1" noChangeAspect="1"/>
+          </p:cNvPicPr>
+          <p:nvPr>
+            <p:ph sz="half" idx="1"/>
+          </p:nvPr>
+        </p:nvPicPr>
+        <p:blipFill>
+          <a:blip r:embed="rId3"/>
+          <a:stretch>
+            <a:fillRect/>
+          </a:stretch>
+        </p:blipFill>
+        <p:spPr>
+          <a:xfrm>
+            <a:off x="1212784" y="1895191"/>
+            <a:ext cx="3290954" cy="4936433"/>
+          </a:xfrm>
+        </p:spPr>
+      </p:pic>
+      <p:sp>
+        <p:nvSpPr>
+          <p:cNvPr id="8" name="Content Placeholder 7">
+            <a:extLst>
+              <a:ext uri="{FF2B5EF4-FFF2-40B4-BE49-F238E27FC236}">
+                <a16:creationId xmlns:a16="http://schemas.microsoft.com/office/drawing/2014/main" id="{69B33CCE-F66C-0A6E-140E-8E96A3FD5889}"/>
+              </a:ext>
+            </a:extLst>
+          </p:cNvPr>
+          <p:cNvSpPr>
+            <a:spLocks noGrp="1"/>
+          </p:cNvSpPr>
+          <p:nvPr>
+            <p:ph sz="half" idx="2"/>
+          </p:nvPr>
+        </p:nvSpPr>
+        <p:spPr>
+          <a:xfrm>
+            <a:off x="6188417" y="2228004"/>
+            <a:ext cx="5422392" cy="988332"/>
+          </a:xfrm>
+        </p:spPr>
+        <p:txBody>
+          <a:bodyPr anchor="t"/>
+          <a:lstStyle/>
+          <a:p>
+            <a:endParaRPr lang="en-US" dirty="0"/>
+          </a:p>
+          <a:p>
+            <a:endParaRPr lang="en-US" dirty="0"/>
+          </a:p>
+        </p:txBody>
+      </p:sp>
+      <p:pic>
+        <p:nvPicPr>
+          <p:cNvPr id="5" name="Picture 4">
+            <a:extLst>
+              <a:ext uri="{FF2B5EF4-FFF2-40B4-BE49-F238E27FC236}">
+                <a16:creationId xmlns:a16="http://schemas.microsoft.com/office/drawing/2014/main" id="{30FB6E61-EF54-64DE-A120-80532AD794B3}"/>
+              </a:ext>
+            </a:extLst>
+          </p:cNvPr>
+          <p:cNvPicPr>
+            <a:picLocks noChangeAspect="1"/>
+          </p:cNvPicPr>
+          <p:nvPr/>
+        </p:nvPicPr>
+        <p:blipFill>
+          <a:blip r:embed="rId4"/>
+          <a:stretch>
+            <a:fillRect/>
+          </a:stretch>
+        </p:blipFill>
+        <p:spPr>
+          <a:xfrm>
+            <a:off x="4621666" y="1984967"/>
+            <a:ext cx="5495925" cy="4143375"/>
+          </a:xfrm>
+          <a:prstGeom prst="rect">
+            <a:avLst/>
+          </a:prstGeom>
+        </p:spPr>
+      </p:pic>
+    </p:spTree>
+    <p:extLst>
+      <p:ext uri="{BB962C8B-B14F-4D97-AF65-F5344CB8AC3E}">
+        <p14:creationId xmlns:p14="http://schemas.microsoft.com/office/powerpoint/2010/main" val="1351225872"/>
+      </p:ext>
+    </p:extLst>
+  </p:cSld>
+  <p:clrMapOvr>
+    <a:masterClrMapping/>
+  </p:clrMapOvr>
+</p:sld>
+</file>
+
+<file path=ppt/slides/slide12.xml><?xml version="1.0" encoding="utf-8"?>
+<p:sld xmlns:a="http://schemas.openxmlformats.org/drawingml/2006/main" xmlns:r="http://schemas.openxmlformats.org/officeDocument/2006/relationships" xmlns:p="http://schemas.openxmlformats.org/presentationml/2006/main">
+  <p:cSld>
+    <p:spTree>
+      <p:nvGrpSpPr>
+        <p:cNvPr id="1" name=""/>
+        <p:cNvGrpSpPr/>
+        <p:nvPr/>
+      </p:nvGrpSpPr>
+      <p:grpSpPr>
+        <a:xfrm>
+          <a:off x="0" y="0"/>
+          <a:ext cx="0" cy="0"/>
+          <a:chOff x="0" y="0"/>
+          <a:chExt cx="0" cy="0"/>
+        </a:xfrm>
+      </p:grpSpPr>
+      <p:sp>
+        <p:nvSpPr>
+          <p:cNvPr id="2" name="Title 1">
+            <a:extLst>
+              <a:ext uri="{FF2B5EF4-FFF2-40B4-BE49-F238E27FC236}">
+                <a16:creationId xmlns:a16="http://schemas.microsoft.com/office/drawing/2014/main" id="{921633EB-7DCB-4DDC-80AF-C885A3EE1245}"/>
+              </a:ext>
+            </a:extLst>
+          </p:cNvPr>
+          <p:cNvSpPr>
+            <a:spLocks noGrp="1"/>
+          </p:cNvSpPr>
+          <p:nvPr>
+            <p:ph type="title"/>
+          </p:nvPr>
+        </p:nvSpPr>
+        <p:spPr/>
+        <p:txBody>
+          <a:bodyPr/>
+          <a:lstStyle/>
+          <a:p>
+            <a:r>
+              <a:rPr lang="en-US" dirty="0"/>
+              <a:t>Magnetic Model</a:t>
+            </a:r>
+            <a:br>
+              <a:rPr lang="en-US" dirty="0"/>
+            </a:br>
+            <a:r>
+              <a:rPr lang="en-US" dirty="0"/>
               <a:t>Computing Magnetic Reluctance (Cont.)</a:t>
             </a:r>
           </a:p>
@@ -18969,455 +19401,6 @@
     <p:extLst>
       <p:ext uri="{BB962C8B-B14F-4D97-AF65-F5344CB8AC3E}">
         <p14:creationId xmlns:p14="http://schemas.microsoft.com/office/powerpoint/2010/main" val="2884459942"/>
-      </p:ext>
-    </p:extLst>
-  </p:cSld>
-  <p:clrMapOvr>
-    <a:masterClrMapping/>
-  </p:clrMapOvr>
-</p:sld>
-</file>
-
-<file path=ppt/slides/slide11.xml><?xml version="1.0" encoding="utf-8"?>
-<p:sld xmlns:a="http://schemas.openxmlformats.org/drawingml/2006/main" xmlns:r="http://schemas.openxmlformats.org/officeDocument/2006/relationships" xmlns:p="http://schemas.openxmlformats.org/presentationml/2006/main">
-  <p:cSld>
-    <p:bg>
-      <p:bgPr>
-        <a:solidFill>
-          <a:schemeClr val="bg1"/>
-        </a:solidFill>
-        <a:effectLst/>
-      </p:bgPr>
-    </p:bg>
-    <p:spTree>
-      <p:nvGrpSpPr>
-        <p:cNvPr id="1" name=""/>
-        <p:cNvGrpSpPr/>
-        <p:nvPr/>
-      </p:nvGrpSpPr>
-      <p:grpSpPr>
-        <a:xfrm>
-          <a:off x="0" y="0"/>
-          <a:ext cx="0" cy="0"/>
-          <a:chOff x="0" y="0"/>
-          <a:chExt cx="0" cy="0"/>
-        </a:xfrm>
-      </p:grpSpPr>
-      <p:sp useBgFill="1">
-        <p:nvSpPr>
-          <p:cNvPr id="29" name="Rectangle 28">
-            <a:extLst>
-              <a:ext uri="{FF2B5EF4-FFF2-40B4-BE49-F238E27FC236}">
-                <a16:creationId xmlns:a16="http://schemas.microsoft.com/office/drawing/2014/main" id="{BFDA9692-ECDC-4B59-86B2-8C90FDE1A055}"/>
-              </a:ext>
-              <a:ext uri="{C183D7F6-B498-43B3-948B-1728B52AA6E4}">
-                <adec:decorative xmlns:adec="http://schemas.microsoft.com/office/drawing/2017/decorative" val="1"/>
-              </a:ext>
-            </a:extLst>
-          </p:cNvPr>
-          <p:cNvSpPr>
-            <a:spLocks noGrp="1" noRot="1" noChangeAspect="1" noMove="1" noResize="1" noEditPoints="1" noAdjustHandles="1" noChangeArrowheads="1" noChangeShapeType="1" noTextEdit="1"/>
-          </p:cNvSpPr>
-          <p:nvPr>
-            <p:extLst>
-              <p:ext uri="{386F3935-93C4-4BCD-93E2-E3B085C9AB24}">
-                <p16:designElem xmlns:p16="http://schemas.microsoft.com/office/powerpoint/2015/main" val="1"/>
-              </p:ext>
-            </p:extLst>
-          </p:nvPr>
-        </p:nvSpPr>
-        <p:spPr>
-          <a:xfrm>
-            <a:off x="0" y="536712"/>
-            <a:ext cx="12192000" cy="6321287"/>
-          </a:xfrm>
-          <a:prstGeom prst="rect">
-            <a:avLst/>
-          </a:prstGeom>
-          <a:ln>
-            <a:noFill/>
-          </a:ln>
-        </p:spPr>
-        <p:style>
-          <a:lnRef idx="2">
-            <a:schemeClr val="accent1">
-              <a:shade val="50000"/>
-            </a:schemeClr>
-          </a:lnRef>
-          <a:fillRef idx="1">
-            <a:schemeClr val="accent1"/>
-          </a:fillRef>
-          <a:effectRef idx="0">
-            <a:schemeClr val="accent1"/>
-          </a:effectRef>
-          <a:fontRef idx="minor">
-            <a:schemeClr val="lt1"/>
-          </a:fontRef>
-        </p:style>
-        <p:txBody>
-          <a:bodyPr rtlCol="0" anchor="ctr"/>
-          <a:lstStyle/>
-          <a:p>
-            <a:pPr algn="ctr"/>
-            <a:endParaRPr lang="en-US" dirty="0"/>
-          </a:p>
-        </p:txBody>
-      </p:sp>
-      <p:sp>
-        <p:nvSpPr>
-          <p:cNvPr id="31" name="Rectangle 30">
-            <a:extLst>
-              <a:ext uri="{FF2B5EF4-FFF2-40B4-BE49-F238E27FC236}">
-                <a16:creationId xmlns:a16="http://schemas.microsoft.com/office/drawing/2014/main" id="{12C05506-42A1-49C0-9D87-081CCD9023D6}"/>
-              </a:ext>
-              <a:ext uri="{C183D7F6-B498-43B3-948B-1728B52AA6E4}">
-                <adec:decorative xmlns:adec="http://schemas.microsoft.com/office/drawing/2017/decorative" val="1"/>
-              </a:ext>
-            </a:extLst>
-          </p:cNvPr>
-          <p:cNvSpPr>
-            <a:spLocks noGrp="1" noRot="1" noChangeAspect="1" noMove="1" noResize="1" noEditPoints="1" noAdjustHandles="1" noChangeArrowheads="1" noChangeShapeType="1" noTextEdit="1"/>
-          </p:cNvSpPr>
-          <p:nvPr>
-            <p:extLst>
-              <p:ext uri="{386F3935-93C4-4BCD-93E2-E3B085C9AB24}">
-                <p16:designElem xmlns:p16="http://schemas.microsoft.com/office/powerpoint/2015/main" val="1"/>
-              </p:ext>
-            </p:extLst>
-          </p:nvPr>
-        </p:nvSpPr>
-        <p:spPr>
-          <a:xfrm>
-            <a:off x="447817" y="5141974"/>
-            <a:ext cx="11290860" cy="1258827"/>
-          </a:xfrm>
-          <a:prstGeom prst="rect">
-            <a:avLst/>
-          </a:prstGeom>
-          <a:solidFill>
-            <a:schemeClr val="accent1"/>
-          </a:solidFill>
-          <a:ln>
-            <a:noFill/>
-          </a:ln>
-          <a:effectLst/>
-        </p:spPr>
-        <p:style>
-          <a:lnRef idx="1">
-            <a:schemeClr val="accent1"/>
-          </a:lnRef>
-          <a:fillRef idx="3">
-            <a:schemeClr val="accent1"/>
-          </a:fillRef>
-          <a:effectRef idx="2">
-            <a:schemeClr val="accent1"/>
-          </a:effectRef>
-          <a:fontRef idx="minor">
-            <a:schemeClr val="lt1"/>
-          </a:fontRef>
-        </p:style>
-      </p:sp>
-      <p:sp>
-        <p:nvSpPr>
-          <p:cNvPr id="2" name="Title 1">
-            <a:extLst>
-              <a:ext uri="{FF2B5EF4-FFF2-40B4-BE49-F238E27FC236}">
-                <a16:creationId xmlns:a16="http://schemas.microsoft.com/office/drawing/2014/main" id="{5B040558-A365-4CCE-92FA-5A48CD98F9C9}"/>
-              </a:ext>
-            </a:extLst>
-          </p:cNvPr>
-          <p:cNvSpPr>
-            <a:spLocks noGrp="1"/>
-          </p:cNvSpPr>
-          <p:nvPr>
-            <p:ph type="title"/>
-          </p:nvPr>
-        </p:nvSpPr>
-        <p:spPr>
-          <a:xfrm>
-            <a:off x="581192" y="5264487"/>
-            <a:ext cx="11029616" cy="718870"/>
-          </a:xfrm>
-        </p:spPr>
-        <p:txBody>
-          <a:bodyPr>
-            <a:normAutofit/>
-          </a:bodyPr>
-          <a:lstStyle/>
-          <a:p>
-            <a:r>
-              <a:rPr lang="en-US" dirty="0">
-                <a:solidFill>
-                  <a:srgbClr val="FFFEFF"/>
-                </a:solidFill>
-              </a:rPr>
-              <a:t>Modeling the Simulation</a:t>
-            </a:r>
-          </a:p>
-        </p:txBody>
-      </p:sp>
-      <p:graphicFrame>
-        <p:nvGraphicFramePr>
-          <p:cNvPr id="4" name="Content Placeholder 3" descr="icon SmartArt graphic">
-            <a:extLst>
-              <a:ext uri="{FF2B5EF4-FFF2-40B4-BE49-F238E27FC236}">
-                <a16:creationId xmlns:a16="http://schemas.microsoft.com/office/drawing/2014/main" id="{81E592E1-99DF-4294-A2E9-EF46299BD3F4}"/>
-              </a:ext>
-            </a:extLst>
-          </p:cNvPr>
-          <p:cNvGraphicFramePr>
-            <a:graphicFrameLocks noGrp="1"/>
-          </p:cNvGraphicFramePr>
-          <p:nvPr>
-            <p:ph idx="1"/>
-            <p:extLst>
-              <p:ext uri="{D42A27DB-BD31-4B8C-83A1-F6EECF244321}">
-                <p14:modId xmlns:p14="http://schemas.microsoft.com/office/powerpoint/2010/main" val="999668784"/>
-              </p:ext>
-            </p:extLst>
-          </p:nvPr>
-        </p:nvGraphicFramePr>
-        <p:xfrm>
-          <a:off x="642938" y="858445"/>
-          <a:ext cx="10906125" cy="3961205"/>
-        </p:xfrm>
-        <a:graphic>
-          <a:graphicData uri="http://schemas.openxmlformats.org/drawingml/2006/diagram">
-            <dgm:relIds xmlns:dgm="http://schemas.openxmlformats.org/drawingml/2006/diagram" xmlns:r="http://schemas.openxmlformats.org/officeDocument/2006/relationships" r:dm="rId3" r:lo="rId4" r:qs="rId5" r:cs="rId6"/>
-          </a:graphicData>
-        </a:graphic>
-      </p:graphicFrame>
-    </p:spTree>
-    <p:extLst>
-      <p:ext uri="{BB962C8B-B14F-4D97-AF65-F5344CB8AC3E}">
-        <p14:creationId xmlns:p14="http://schemas.microsoft.com/office/powerpoint/2010/main" val="1579741508"/>
-      </p:ext>
-    </p:extLst>
-  </p:cSld>
-  <p:clrMapOvr>
-    <a:masterClrMapping/>
-  </p:clrMapOvr>
-</p:sld>
-</file>
-
-<file path=ppt/slides/slide12.xml><?xml version="1.0" encoding="utf-8"?>
-<p:sld xmlns:a="http://schemas.openxmlformats.org/drawingml/2006/main" xmlns:r="http://schemas.openxmlformats.org/officeDocument/2006/relationships" xmlns:p="http://schemas.openxmlformats.org/presentationml/2006/main">
-  <p:cSld>
-    <p:spTree>
-      <p:nvGrpSpPr>
-        <p:cNvPr id="1" name=""/>
-        <p:cNvGrpSpPr/>
-        <p:nvPr/>
-      </p:nvGrpSpPr>
-      <p:grpSpPr>
-        <a:xfrm>
-          <a:off x="0" y="0"/>
-          <a:ext cx="0" cy="0"/>
-          <a:chOff x="0" y="0"/>
-          <a:chExt cx="0" cy="0"/>
-        </a:xfrm>
-      </p:grpSpPr>
-      <p:sp>
-        <p:nvSpPr>
-          <p:cNvPr id="2" name="Title 1">
-            <a:extLst>
-              <a:ext uri="{FF2B5EF4-FFF2-40B4-BE49-F238E27FC236}">
-                <a16:creationId xmlns:a16="http://schemas.microsoft.com/office/drawing/2014/main" id="{921633EB-7DCB-4DDC-80AF-C885A3EE1245}"/>
-              </a:ext>
-            </a:extLst>
-          </p:cNvPr>
-          <p:cNvSpPr>
-            <a:spLocks noGrp="1"/>
-          </p:cNvSpPr>
-          <p:nvPr>
-            <p:ph type="title"/>
-          </p:nvPr>
-        </p:nvSpPr>
-        <p:spPr/>
-        <p:txBody>
-          <a:bodyPr/>
-          <a:lstStyle/>
-          <a:p>
-            <a:r>
-              <a:rPr lang="en-US" dirty="0"/>
-              <a:t>Mechanical Model</a:t>
-            </a:r>
-          </a:p>
-        </p:txBody>
-      </p:sp>
-      <p:pic>
-        <p:nvPicPr>
-          <p:cNvPr id="6" name="Content Placeholder 5" descr="Diagram, schematic&#10;&#10;Description automatically generated">
-            <a:extLst>
-              <a:ext uri="{FF2B5EF4-FFF2-40B4-BE49-F238E27FC236}">
-                <a16:creationId xmlns:a16="http://schemas.microsoft.com/office/drawing/2014/main" id="{11649FE3-C341-9A21-5397-D2FE9BAE97C6}"/>
-              </a:ext>
-            </a:extLst>
-          </p:cNvPr>
-          <p:cNvPicPr>
-            <a:picLocks noGrp="1" noChangeAspect="1"/>
-          </p:cNvPicPr>
-          <p:nvPr>
-            <p:ph sz="half" idx="1"/>
-          </p:nvPr>
-        </p:nvPicPr>
-        <p:blipFill>
-          <a:blip r:embed="rId2"/>
-          <a:stretch>
-            <a:fillRect/>
-          </a:stretch>
-        </p:blipFill>
-        <p:spPr>
-          <a:xfrm>
-            <a:off x="1256166" y="3283287"/>
-            <a:ext cx="1819275" cy="1657350"/>
-          </a:xfrm>
-        </p:spPr>
-      </p:pic>
-      <p:pic>
-        <p:nvPicPr>
-          <p:cNvPr id="15" name="Content Placeholder 14" descr="Chart, line chart&#10;&#10;Description automatically generated">
-            <a:extLst>
-              <a:ext uri="{FF2B5EF4-FFF2-40B4-BE49-F238E27FC236}">
-                <a16:creationId xmlns:a16="http://schemas.microsoft.com/office/drawing/2014/main" id="{CAF1C734-1542-F34F-9170-29DFBBFD3A77}"/>
-              </a:ext>
-            </a:extLst>
-          </p:cNvPr>
-          <p:cNvPicPr>
-            <a:picLocks noGrp="1" noChangeAspect="1"/>
-          </p:cNvPicPr>
-          <p:nvPr>
-            <p:ph sz="half" idx="2"/>
-          </p:nvPr>
-        </p:nvPicPr>
-        <p:blipFill>
-          <a:blip r:embed="rId3"/>
-          <a:stretch>
-            <a:fillRect/>
-          </a:stretch>
-        </p:blipFill>
-        <p:spPr>
-          <a:xfrm>
-            <a:off x="7277100" y="2426039"/>
-            <a:ext cx="4845049" cy="3633787"/>
-          </a:xfrm>
-        </p:spPr>
-      </p:pic>
-      <p:grpSp>
-        <p:nvGrpSpPr>
-          <p:cNvPr id="23" name="Group 22">
-            <a:extLst>
-              <a:ext uri="{FF2B5EF4-FFF2-40B4-BE49-F238E27FC236}">
-                <a16:creationId xmlns:a16="http://schemas.microsoft.com/office/drawing/2014/main" id="{7761A581-C7E8-71C0-F674-580A87985E71}"/>
-              </a:ext>
-            </a:extLst>
-          </p:cNvPr>
-          <p:cNvGrpSpPr/>
-          <p:nvPr/>
-        </p:nvGrpSpPr>
-        <p:grpSpPr>
-          <a:xfrm>
-            <a:off x="3632879" y="2664163"/>
-            <a:ext cx="3644221" cy="3157537"/>
-            <a:chOff x="3686629" y="2288721"/>
-            <a:chExt cx="3644221" cy="3157537"/>
-          </a:xfrm>
-        </p:grpSpPr>
-        <p:pic>
-          <p:nvPicPr>
-            <p:cNvPr id="17" name="Picture 16">
-              <a:extLst>
-                <a:ext uri="{FF2B5EF4-FFF2-40B4-BE49-F238E27FC236}">
-                  <a16:creationId xmlns:a16="http://schemas.microsoft.com/office/drawing/2014/main" id="{3B9295FB-A4CC-7A8C-CE61-47B32A095F83}"/>
-                </a:ext>
-              </a:extLst>
-            </p:cNvPr>
-            <p:cNvPicPr>
-              <a:picLocks noChangeAspect="1"/>
-            </p:cNvPicPr>
-            <p:nvPr/>
-          </p:nvPicPr>
-          <p:blipFill>
-            <a:blip r:embed="rId4"/>
-            <a:stretch>
-              <a:fillRect/>
-            </a:stretch>
-          </p:blipFill>
-          <p:spPr>
-            <a:xfrm>
-              <a:off x="3686629" y="2288721"/>
-              <a:ext cx="1905000" cy="1447800"/>
-            </a:xfrm>
-            <a:prstGeom prst="rect">
-              <a:avLst/>
-            </a:prstGeom>
-          </p:spPr>
-        </p:pic>
-        <p:pic>
-          <p:nvPicPr>
-            <p:cNvPr id="20" name="Picture 19">
-              <a:extLst>
-                <a:ext uri="{FF2B5EF4-FFF2-40B4-BE49-F238E27FC236}">
-                  <a16:creationId xmlns:a16="http://schemas.microsoft.com/office/drawing/2014/main" id="{4A600C1B-7A11-7E31-0C6F-A118D7B76734}"/>
-                </a:ext>
-              </a:extLst>
-            </p:cNvPr>
-            <p:cNvPicPr>
-              <a:picLocks noChangeAspect="1"/>
-            </p:cNvPicPr>
-            <p:nvPr/>
-          </p:nvPicPr>
-          <p:blipFill>
-            <a:blip r:embed="rId5"/>
-            <a:stretch>
-              <a:fillRect/>
-            </a:stretch>
-          </p:blipFill>
-          <p:spPr>
-            <a:xfrm>
-              <a:off x="3686629" y="3541258"/>
-              <a:ext cx="1724025" cy="390525"/>
-            </a:xfrm>
-            <a:prstGeom prst="rect">
-              <a:avLst/>
-            </a:prstGeom>
-          </p:spPr>
-        </p:pic>
-        <p:pic>
-          <p:nvPicPr>
-            <p:cNvPr id="22" name="Picture 21">
-              <a:extLst>
-                <a:ext uri="{FF2B5EF4-FFF2-40B4-BE49-F238E27FC236}">
-                  <a16:creationId xmlns:a16="http://schemas.microsoft.com/office/drawing/2014/main" id="{D0227CEC-6766-6E84-6905-BC9895AADFCE}"/>
-                </a:ext>
-              </a:extLst>
-            </p:cNvPr>
-            <p:cNvPicPr>
-              <a:picLocks noChangeAspect="1"/>
-            </p:cNvPicPr>
-            <p:nvPr/>
-          </p:nvPicPr>
-          <p:blipFill>
-            <a:blip r:embed="rId6"/>
-            <a:stretch>
-              <a:fillRect/>
-            </a:stretch>
-          </p:blipFill>
-          <p:spPr>
-            <a:xfrm>
-              <a:off x="3749450" y="3931783"/>
-              <a:ext cx="3581400" cy="1514475"/>
-            </a:xfrm>
-            <a:prstGeom prst="rect">
-              <a:avLst/>
-            </a:prstGeom>
-          </p:spPr>
-        </p:pic>
-      </p:grpSp>
-    </p:spTree>
-    <p:extLst>
-      <p:ext uri="{BB962C8B-B14F-4D97-AF65-F5344CB8AC3E}">
-        <p14:creationId xmlns:p14="http://schemas.microsoft.com/office/powerpoint/2010/main" val="1231162112"/>
       </p:ext>
     </p:extLst>
   </p:cSld>
@@ -19869,6 +19852,13 @@
               <a:rPr lang="en-US" dirty="0"/>
               <a:t>Fluid flow model</a:t>
             </a:r>
+            <a:br>
+              <a:rPr lang="en-US" dirty="0"/>
+            </a:br>
+            <a:r>
+              <a:rPr lang="en-US" dirty="0"/>
+              <a:t>Control Volumes</a:t>
+            </a:r>
           </a:p>
         </p:txBody>
       </p:sp>
@@ -20033,7 +20023,14 @@
           <a:p>
             <a:r>
               <a:rPr lang="en-US" dirty="0"/>
-              <a:t>Fluid flow model (CONT.)</a:t>
+              <a:t>Fluid flow model</a:t>
+            </a:r>
+            <a:br>
+              <a:rPr lang="en-US" dirty="0"/>
+            </a:br>
+            <a:r>
+              <a:rPr lang="en-US" dirty="0"/>
+              <a:t>Flow Paths</a:t>
             </a:r>
           </a:p>
         </p:txBody>
@@ -20062,15 +20059,9 @@
         </p:spPr>
         <p:txBody>
           <a:bodyPr anchor="t">
-            <a:normAutofit fontScale="92500"/>
+            <a:normAutofit/>
           </a:bodyPr>
           <a:lstStyle/>
-          <a:p>
-            <a:r>
-              <a:rPr lang="en-US" dirty="0"/>
-              <a:t>Gas Flow</a:t>
-            </a:r>
-          </a:p>
           <a:p>
             <a:r>
               <a:rPr lang="en-US" dirty="0"/>
@@ -20093,7 +20084,7 @@
         </p:nvGrpSpPr>
         <p:grpSpPr>
           <a:xfrm>
-            <a:off x="1209842" y="3047585"/>
+            <a:off x="1209842" y="2935155"/>
             <a:ext cx="5562600" cy="3483844"/>
             <a:chOff x="809382" y="2628901"/>
             <a:chExt cx="5562600" cy="3483844"/>
@@ -20250,7 +20241,14 @@
           <a:p>
             <a:r>
               <a:rPr lang="en-US" dirty="0"/>
-              <a:t>Fluid flow model (CONT.)</a:t>
+              <a:t>Fluid flow model</a:t>
+            </a:r>
+            <a:br>
+              <a:rPr lang="en-US" dirty="0"/>
+            </a:br>
+            <a:r>
+              <a:rPr lang="en-US" dirty="0"/>
+              <a:t>Gas Charge/Discharge</a:t>
             </a:r>
           </a:p>
         </p:txBody>
@@ -20283,12 +20281,6 @@
           <a:p>
             <a:r>
               <a:rPr lang="en-US" dirty="0"/>
-              <a:t>Gas Charge/Discharge</a:t>
-            </a:r>
-          </a:p>
-          <a:p>
-            <a:r>
-              <a:rPr lang="en-US" dirty="0"/>
               <a:t>Assumed adiabatic process and ideal gas</a:t>
             </a:r>
           </a:p>
@@ -20316,7 +20308,7 @@
         </p:blipFill>
         <p:spPr>
           <a:xfrm>
-            <a:off x="841099" y="3218062"/>
+            <a:off x="841099" y="2793519"/>
             <a:ext cx="6429375" cy="3362325"/>
           </a:xfrm>
           <a:prstGeom prst="rect">
@@ -21440,7 +21432,7 @@
             <p:ph idx="1"/>
             <p:extLst>
               <p:ext uri="{D42A27DB-BD31-4B8C-83A1-F6EECF244321}">
-                <p14:modId xmlns:p14="http://schemas.microsoft.com/office/powerpoint/2010/main" val="1101485868"/>
+                <p14:modId xmlns:p14="http://schemas.microsoft.com/office/powerpoint/2010/main" val="4235470356"/>
               </p:ext>
             </p:extLst>
           </p:nvPr>
@@ -21793,6 +21785,96 @@
           </a:graphicData>
         </a:graphic>
       </p:graphicFrame>
+      <p:pic>
+        <p:nvPicPr>
+          <p:cNvPr id="5" name="Picture 4" descr="Text&#10;&#10;Description automatically generated">
+            <a:extLst>
+              <a:ext uri="{FF2B5EF4-FFF2-40B4-BE49-F238E27FC236}">
+                <a16:creationId xmlns:a16="http://schemas.microsoft.com/office/drawing/2014/main" id="{8697B375-D097-809F-DCAF-7DAF03F3C060}"/>
+              </a:ext>
+            </a:extLst>
+          </p:cNvPr>
+          <p:cNvPicPr>
+            <a:picLocks noChangeAspect="1"/>
+          </p:cNvPicPr>
+          <p:nvPr/>
+        </p:nvPicPr>
+        <p:blipFill>
+          <a:blip r:embed="rId8"/>
+          <a:stretch>
+            <a:fillRect/>
+          </a:stretch>
+        </p:blipFill>
+        <p:spPr>
+          <a:xfrm>
+            <a:off x="1094571" y="4130533"/>
+            <a:ext cx="2463877" cy="850279"/>
+          </a:xfrm>
+          <a:prstGeom prst="rect">
+            <a:avLst/>
+          </a:prstGeom>
+        </p:spPr>
+      </p:pic>
+      <p:pic>
+        <p:nvPicPr>
+          <p:cNvPr id="7" name="Picture 6" descr="Diagram&#10;&#10;Description automatically generated with medium confidence">
+            <a:extLst>
+              <a:ext uri="{FF2B5EF4-FFF2-40B4-BE49-F238E27FC236}">
+                <a16:creationId xmlns:a16="http://schemas.microsoft.com/office/drawing/2014/main" id="{9FFE1C16-1BEE-7DDC-275C-2AA036D89B6C}"/>
+              </a:ext>
+            </a:extLst>
+          </p:cNvPr>
+          <p:cNvPicPr>
+            <a:picLocks noChangeAspect="1"/>
+          </p:cNvPicPr>
+          <p:nvPr/>
+        </p:nvPicPr>
+        <p:blipFill>
+          <a:blip r:embed="rId9"/>
+          <a:stretch>
+            <a:fillRect/>
+          </a:stretch>
+        </p:blipFill>
+        <p:spPr>
+          <a:xfrm>
+            <a:off x="8633554" y="4004541"/>
+            <a:ext cx="2463878" cy="1102261"/>
+          </a:xfrm>
+          <a:prstGeom prst="rect">
+            <a:avLst/>
+          </a:prstGeom>
+        </p:spPr>
+      </p:pic>
+      <p:pic>
+        <p:nvPicPr>
+          <p:cNvPr id="9" name="Picture 8" descr="Text, letter&#10;&#10;Description automatically generated">
+            <a:extLst>
+              <a:ext uri="{FF2B5EF4-FFF2-40B4-BE49-F238E27FC236}">
+                <a16:creationId xmlns:a16="http://schemas.microsoft.com/office/drawing/2014/main" id="{50775A2D-3280-C8D4-C991-D8AE7C283E19}"/>
+              </a:ext>
+            </a:extLst>
+          </p:cNvPr>
+          <p:cNvPicPr>
+            <a:picLocks noChangeAspect="1"/>
+          </p:cNvPicPr>
+          <p:nvPr/>
+        </p:nvPicPr>
+        <p:blipFill>
+          <a:blip r:embed="rId10"/>
+          <a:stretch>
+            <a:fillRect/>
+          </a:stretch>
+        </p:blipFill>
+        <p:spPr>
+          <a:xfrm>
+            <a:off x="5204438" y="4333675"/>
+            <a:ext cx="1783126" cy="443991"/>
+          </a:xfrm>
+          <a:prstGeom prst="rect">
+            <a:avLst/>
+          </a:prstGeom>
+        </p:spPr>
+      </p:pic>
     </p:spTree>
     <p:extLst>
       <p:ext uri="{BB962C8B-B14F-4D97-AF65-F5344CB8AC3E}">
@@ -24088,127 +24170,6 @@
           </a:p>
         </p:txBody>
       </p:sp>
-      <p:sp>
-        <p:nvSpPr>
-          <p:cNvPr id="8" name="Content Placeholder 7">
-            <a:extLst>
-              <a:ext uri="{FF2B5EF4-FFF2-40B4-BE49-F238E27FC236}">
-                <a16:creationId xmlns:a16="http://schemas.microsoft.com/office/drawing/2014/main" id="{ED6B6051-95F5-F807-BAF4-7546CE287CCE}"/>
-              </a:ext>
-            </a:extLst>
-          </p:cNvPr>
-          <p:cNvSpPr>
-            <a:spLocks noGrp="1"/>
-          </p:cNvSpPr>
-          <p:nvPr>
-            <p:ph sz="half" idx="2"/>
-          </p:nvPr>
-        </p:nvSpPr>
-        <p:spPr/>
-        <p:txBody>
-          <a:bodyPr/>
-          <a:lstStyle/>
-          <a:p>
-            <a:r>
-              <a:rPr lang="en-US" dirty="0"/>
-              <a:t>Up to ~40% overshoot in first cycle</a:t>
-            </a:r>
-          </a:p>
-          <a:p>
-            <a:r>
-              <a:rPr lang="en-US" dirty="0"/>
-              <a:t>Close to ~10% undershoot as upstream pressure decreases.</a:t>
-            </a:r>
-          </a:p>
-        </p:txBody>
-      </p:sp>
-      <p:pic>
-        <p:nvPicPr>
-          <p:cNvPr id="10" name="Content Placeholder 9">
-            <a:extLst>
-              <a:ext uri="{FF2B5EF4-FFF2-40B4-BE49-F238E27FC236}">
-                <a16:creationId xmlns:a16="http://schemas.microsoft.com/office/drawing/2014/main" id="{6FC7C110-E68D-3ED2-9770-39A595002411}"/>
-              </a:ext>
-            </a:extLst>
-          </p:cNvPr>
-          <p:cNvPicPr>
-            <a:picLocks noGrp="1" noChangeAspect="1"/>
-          </p:cNvPicPr>
-          <p:nvPr>
-            <p:ph sz="half" idx="1"/>
-          </p:nvPr>
-        </p:nvPicPr>
-        <p:blipFill>
-          <a:blip r:embed="rId2"/>
-          <a:stretch>
-            <a:fillRect/>
-          </a:stretch>
-        </p:blipFill>
-        <p:spPr>
-          <a:xfrm>
-            <a:off x="869950" y="2227263"/>
-            <a:ext cx="4845049" cy="3633787"/>
-          </a:xfrm>
-        </p:spPr>
-      </p:pic>
-    </p:spTree>
-    <p:extLst>
-      <p:ext uri="{BB962C8B-B14F-4D97-AF65-F5344CB8AC3E}">
-        <p14:creationId xmlns:p14="http://schemas.microsoft.com/office/powerpoint/2010/main" val="1977357918"/>
-      </p:ext>
-    </p:extLst>
-  </p:cSld>
-  <p:clrMapOvr>
-    <a:masterClrMapping/>
-  </p:clrMapOvr>
-</p:sld>
-</file>
-
-<file path=ppt/slides/slide4.xml><?xml version="1.0" encoding="utf-8"?>
-<p:sld xmlns:a="http://schemas.openxmlformats.org/drawingml/2006/main" xmlns:r="http://schemas.openxmlformats.org/officeDocument/2006/relationships" xmlns:p="http://schemas.openxmlformats.org/presentationml/2006/main">
-  <p:cSld>
-    <p:spTree>
-      <p:nvGrpSpPr>
-        <p:cNvPr id="1" name=""/>
-        <p:cNvGrpSpPr/>
-        <p:nvPr/>
-      </p:nvGrpSpPr>
-      <p:grpSpPr>
-        <a:xfrm>
-          <a:off x="0" y="0"/>
-          <a:ext cx="0" cy="0"/>
-          <a:chOff x="0" y="0"/>
-          <a:chExt cx="0" cy="0"/>
-        </a:xfrm>
-      </p:grpSpPr>
-      <p:sp>
-        <p:nvSpPr>
-          <p:cNvPr id="2" name="Title 1">
-            <a:extLst>
-              <a:ext uri="{FF2B5EF4-FFF2-40B4-BE49-F238E27FC236}">
-                <a16:creationId xmlns:a16="http://schemas.microsoft.com/office/drawing/2014/main" id="{921633EB-7DCB-4DDC-80AF-C885A3EE1245}"/>
-              </a:ext>
-            </a:extLst>
-          </p:cNvPr>
-          <p:cNvSpPr>
-            <a:spLocks noGrp="1"/>
-          </p:cNvSpPr>
-          <p:nvPr>
-            <p:ph type="title"/>
-          </p:nvPr>
-        </p:nvSpPr>
-        <p:spPr/>
-        <p:txBody>
-          <a:bodyPr/>
-          <a:lstStyle/>
-          <a:p>
-            <a:r>
-              <a:rPr lang="en-US" dirty="0"/>
-              <a:t>Problem definition (cont.)</a:t>
-            </a:r>
-          </a:p>
-        </p:txBody>
-      </p:sp>
       <p:pic>
         <p:nvPicPr>
           <p:cNvPr id="6" name="Content Placeholder 5">
@@ -24297,6 +24258,127 @@
     <p:extLst>
       <p:ext uri="{BB962C8B-B14F-4D97-AF65-F5344CB8AC3E}">
         <p14:creationId xmlns:p14="http://schemas.microsoft.com/office/powerpoint/2010/main" val="3001095354"/>
+      </p:ext>
+    </p:extLst>
+  </p:cSld>
+  <p:clrMapOvr>
+    <a:masterClrMapping/>
+  </p:clrMapOvr>
+</p:sld>
+</file>
+
+<file path=ppt/slides/slide4.xml><?xml version="1.0" encoding="utf-8"?>
+<p:sld xmlns:a="http://schemas.openxmlformats.org/drawingml/2006/main" xmlns:r="http://schemas.openxmlformats.org/officeDocument/2006/relationships" xmlns:p="http://schemas.openxmlformats.org/presentationml/2006/main">
+  <p:cSld>
+    <p:spTree>
+      <p:nvGrpSpPr>
+        <p:cNvPr id="1" name=""/>
+        <p:cNvGrpSpPr/>
+        <p:nvPr/>
+      </p:nvGrpSpPr>
+      <p:grpSpPr>
+        <a:xfrm>
+          <a:off x="0" y="0"/>
+          <a:ext cx="0" cy="0"/>
+          <a:chOff x="0" y="0"/>
+          <a:chExt cx="0" cy="0"/>
+        </a:xfrm>
+      </p:grpSpPr>
+      <p:sp>
+        <p:nvSpPr>
+          <p:cNvPr id="2" name="Title 1">
+            <a:extLst>
+              <a:ext uri="{FF2B5EF4-FFF2-40B4-BE49-F238E27FC236}">
+                <a16:creationId xmlns:a16="http://schemas.microsoft.com/office/drawing/2014/main" id="{921633EB-7DCB-4DDC-80AF-C885A3EE1245}"/>
+              </a:ext>
+            </a:extLst>
+          </p:cNvPr>
+          <p:cNvSpPr>
+            <a:spLocks noGrp="1"/>
+          </p:cNvSpPr>
+          <p:nvPr>
+            <p:ph type="title"/>
+          </p:nvPr>
+        </p:nvSpPr>
+        <p:spPr/>
+        <p:txBody>
+          <a:bodyPr/>
+          <a:lstStyle/>
+          <a:p>
+            <a:r>
+              <a:rPr lang="en-US" dirty="0"/>
+              <a:t>Problem definition (cont.)</a:t>
+            </a:r>
+          </a:p>
+        </p:txBody>
+      </p:sp>
+      <p:sp>
+        <p:nvSpPr>
+          <p:cNvPr id="8" name="Content Placeholder 7">
+            <a:extLst>
+              <a:ext uri="{FF2B5EF4-FFF2-40B4-BE49-F238E27FC236}">
+                <a16:creationId xmlns:a16="http://schemas.microsoft.com/office/drawing/2014/main" id="{ED6B6051-95F5-F807-BAF4-7546CE287CCE}"/>
+              </a:ext>
+            </a:extLst>
+          </p:cNvPr>
+          <p:cNvSpPr>
+            <a:spLocks noGrp="1"/>
+          </p:cNvSpPr>
+          <p:nvPr>
+            <p:ph sz="half" idx="2"/>
+          </p:nvPr>
+        </p:nvSpPr>
+        <p:spPr/>
+        <p:txBody>
+          <a:bodyPr/>
+          <a:lstStyle/>
+          <a:p>
+            <a:r>
+              <a:rPr lang="en-US" dirty="0"/>
+              <a:t>Up to ~40% overshoot in first cycle</a:t>
+            </a:r>
+          </a:p>
+          <a:p>
+            <a:r>
+              <a:rPr lang="en-US" dirty="0"/>
+              <a:t>Close to ~10% undershoot as upstream pressure decreases.</a:t>
+            </a:r>
+          </a:p>
+        </p:txBody>
+      </p:sp>
+      <p:pic>
+        <p:nvPicPr>
+          <p:cNvPr id="10" name="Content Placeholder 9">
+            <a:extLst>
+              <a:ext uri="{FF2B5EF4-FFF2-40B4-BE49-F238E27FC236}">
+                <a16:creationId xmlns:a16="http://schemas.microsoft.com/office/drawing/2014/main" id="{6FC7C110-E68D-3ED2-9770-39A595002411}"/>
+              </a:ext>
+            </a:extLst>
+          </p:cNvPr>
+          <p:cNvPicPr>
+            <a:picLocks noGrp="1" noChangeAspect="1"/>
+          </p:cNvPicPr>
+          <p:nvPr>
+            <p:ph sz="half" idx="1"/>
+          </p:nvPr>
+        </p:nvPicPr>
+        <p:blipFill>
+          <a:blip r:embed="rId2"/>
+          <a:stretch>
+            <a:fillRect/>
+          </a:stretch>
+        </p:blipFill>
+        <p:spPr>
+          <a:xfrm>
+            <a:off x="869950" y="2227263"/>
+            <a:ext cx="4845049" cy="3633787"/>
+          </a:xfrm>
+        </p:spPr>
+      </p:pic>
+    </p:spTree>
+    <p:extLst>
+      <p:ext uri="{BB962C8B-B14F-4D97-AF65-F5344CB8AC3E}">
+        <p14:creationId xmlns:p14="http://schemas.microsoft.com/office/powerpoint/2010/main" val="1977357918"/>
       </p:ext>
     </p:extLst>
   </p:cSld>
@@ -24428,6 +24510,228 @@
 <file path=ppt/slides/slide6.xml><?xml version="1.0" encoding="utf-8"?>
 <p:sld xmlns:a="http://schemas.openxmlformats.org/drawingml/2006/main" xmlns:r="http://schemas.openxmlformats.org/officeDocument/2006/relationships" xmlns:p="http://schemas.openxmlformats.org/presentationml/2006/main">
   <p:cSld>
+    <p:bg>
+      <p:bgPr>
+        <a:solidFill>
+          <a:schemeClr val="bg1"/>
+        </a:solidFill>
+        <a:effectLst/>
+      </p:bgPr>
+    </p:bg>
+    <p:spTree>
+      <p:nvGrpSpPr>
+        <p:cNvPr id="1" name=""/>
+        <p:cNvGrpSpPr/>
+        <p:nvPr/>
+      </p:nvGrpSpPr>
+      <p:grpSpPr>
+        <a:xfrm>
+          <a:off x="0" y="0"/>
+          <a:ext cx="0" cy="0"/>
+          <a:chOff x="0" y="0"/>
+          <a:chExt cx="0" cy="0"/>
+        </a:xfrm>
+      </p:grpSpPr>
+      <p:sp useBgFill="1">
+        <p:nvSpPr>
+          <p:cNvPr id="29" name="Rectangle 28">
+            <a:extLst>
+              <a:ext uri="{FF2B5EF4-FFF2-40B4-BE49-F238E27FC236}">
+                <a16:creationId xmlns:a16="http://schemas.microsoft.com/office/drawing/2014/main" id="{BFDA9692-ECDC-4B59-86B2-8C90FDE1A055}"/>
+              </a:ext>
+              <a:ext uri="{C183D7F6-B498-43B3-948B-1728B52AA6E4}">
+                <adec:decorative xmlns:adec="http://schemas.microsoft.com/office/drawing/2017/decorative" val="1"/>
+              </a:ext>
+            </a:extLst>
+          </p:cNvPr>
+          <p:cNvSpPr>
+            <a:spLocks noGrp="1" noRot="1" noChangeAspect="1" noMove="1" noResize="1" noEditPoints="1" noAdjustHandles="1" noChangeArrowheads="1" noChangeShapeType="1" noTextEdit="1"/>
+          </p:cNvSpPr>
+          <p:nvPr>
+            <p:extLst>
+              <p:ext uri="{386F3935-93C4-4BCD-93E2-E3B085C9AB24}">
+                <p16:designElem xmlns:p16="http://schemas.microsoft.com/office/powerpoint/2015/main" val="1"/>
+              </p:ext>
+            </p:extLst>
+          </p:nvPr>
+        </p:nvSpPr>
+        <p:spPr>
+          <a:xfrm>
+            <a:off x="0" y="536712"/>
+            <a:ext cx="12192000" cy="6321287"/>
+          </a:xfrm>
+          <a:prstGeom prst="rect">
+            <a:avLst/>
+          </a:prstGeom>
+          <a:ln>
+            <a:noFill/>
+          </a:ln>
+        </p:spPr>
+        <p:style>
+          <a:lnRef idx="2">
+            <a:schemeClr val="accent1">
+              <a:shade val="50000"/>
+            </a:schemeClr>
+          </a:lnRef>
+          <a:fillRef idx="1">
+            <a:schemeClr val="accent1"/>
+          </a:fillRef>
+          <a:effectRef idx="0">
+            <a:schemeClr val="accent1"/>
+          </a:effectRef>
+          <a:fontRef idx="minor">
+            <a:schemeClr val="lt1"/>
+          </a:fontRef>
+        </p:style>
+        <p:txBody>
+          <a:bodyPr rtlCol="0" anchor="ctr"/>
+          <a:lstStyle/>
+          <a:p>
+            <a:pPr algn="ctr"/>
+            <a:endParaRPr lang="en-US" dirty="0"/>
+          </a:p>
+        </p:txBody>
+      </p:sp>
+      <p:sp>
+        <p:nvSpPr>
+          <p:cNvPr id="31" name="Rectangle 30">
+            <a:extLst>
+              <a:ext uri="{FF2B5EF4-FFF2-40B4-BE49-F238E27FC236}">
+                <a16:creationId xmlns:a16="http://schemas.microsoft.com/office/drawing/2014/main" id="{12C05506-42A1-49C0-9D87-081CCD9023D6}"/>
+              </a:ext>
+              <a:ext uri="{C183D7F6-B498-43B3-948B-1728B52AA6E4}">
+                <adec:decorative xmlns:adec="http://schemas.microsoft.com/office/drawing/2017/decorative" val="1"/>
+              </a:ext>
+            </a:extLst>
+          </p:cNvPr>
+          <p:cNvSpPr>
+            <a:spLocks noGrp="1" noRot="1" noChangeAspect="1" noMove="1" noResize="1" noEditPoints="1" noAdjustHandles="1" noChangeArrowheads="1" noChangeShapeType="1" noTextEdit="1"/>
+          </p:cNvSpPr>
+          <p:nvPr>
+            <p:extLst>
+              <p:ext uri="{386F3935-93C4-4BCD-93E2-E3B085C9AB24}">
+                <p16:designElem xmlns:p16="http://schemas.microsoft.com/office/powerpoint/2015/main" val="1"/>
+              </p:ext>
+            </p:extLst>
+          </p:nvPr>
+        </p:nvSpPr>
+        <p:spPr>
+          <a:xfrm>
+            <a:off x="447817" y="5141974"/>
+            <a:ext cx="11290860" cy="1258827"/>
+          </a:xfrm>
+          <a:prstGeom prst="rect">
+            <a:avLst/>
+          </a:prstGeom>
+          <a:solidFill>
+            <a:schemeClr val="accent1"/>
+          </a:solidFill>
+          <a:ln>
+            <a:noFill/>
+          </a:ln>
+          <a:effectLst/>
+        </p:spPr>
+        <p:style>
+          <a:lnRef idx="1">
+            <a:schemeClr val="accent1"/>
+          </a:lnRef>
+          <a:fillRef idx="3">
+            <a:schemeClr val="accent1"/>
+          </a:fillRef>
+          <a:effectRef idx="2">
+            <a:schemeClr val="accent1"/>
+          </a:effectRef>
+          <a:fontRef idx="minor">
+            <a:schemeClr val="lt1"/>
+          </a:fontRef>
+        </p:style>
+      </p:sp>
+      <p:sp>
+        <p:nvSpPr>
+          <p:cNvPr id="2" name="Title 1">
+            <a:extLst>
+              <a:ext uri="{FF2B5EF4-FFF2-40B4-BE49-F238E27FC236}">
+                <a16:creationId xmlns:a16="http://schemas.microsoft.com/office/drawing/2014/main" id="{5B040558-A365-4CCE-92FA-5A48CD98F9C9}"/>
+              </a:ext>
+            </a:extLst>
+          </p:cNvPr>
+          <p:cNvSpPr>
+            <a:spLocks noGrp="1"/>
+          </p:cNvSpPr>
+          <p:nvPr>
+            <p:ph type="title"/>
+          </p:nvPr>
+        </p:nvSpPr>
+        <p:spPr>
+          <a:xfrm>
+            <a:off x="581192" y="5264487"/>
+            <a:ext cx="11029616" cy="718870"/>
+          </a:xfrm>
+        </p:spPr>
+        <p:txBody>
+          <a:bodyPr>
+            <a:normAutofit/>
+          </a:bodyPr>
+          <a:lstStyle/>
+          <a:p>
+            <a:r>
+              <a:rPr lang="en-US" dirty="0">
+                <a:solidFill>
+                  <a:srgbClr val="FFFEFF"/>
+                </a:solidFill>
+              </a:rPr>
+              <a:t>Modeling the Simulation</a:t>
+            </a:r>
+          </a:p>
+        </p:txBody>
+      </p:sp>
+      <p:graphicFrame>
+        <p:nvGraphicFramePr>
+          <p:cNvPr id="4" name="Content Placeholder 3" descr="icon SmartArt graphic">
+            <a:extLst>
+              <a:ext uri="{FF2B5EF4-FFF2-40B4-BE49-F238E27FC236}">
+                <a16:creationId xmlns:a16="http://schemas.microsoft.com/office/drawing/2014/main" id="{81E592E1-99DF-4294-A2E9-EF46299BD3F4}"/>
+              </a:ext>
+            </a:extLst>
+          </p:cNvPr>
+          <p:cNvGraphicFramePr>
+            <a:graphicFrameLocks noGrp="1"/>
+          </p:cNvGraphicFramePr>
+          <p:nvPr>
+            <p:ph idx="1"/>
+            <p:extLst>
+              <p:ext uri="{D42A27DB-BD31-4B8C-83A1-F6EECF244321}">
+                <p14:modId xmlns:p14="http://schemas.microsoft.com/office/powerpoint/2010/main" val="3655161335"/>
+              </p:ext>
+            </p:extLst>
+          </p:nvPr>
+        </p:nvGraphicFramePr>
+        <p:xfrm>
+          <a:off x="642938" y="858445"/>
+          <a:ext cx="10906125" cy="3961205"/>
+        </p:xfrm>
+        <a:graphic>
+          <a:graphicData uri="http://schemas.openxmlformats.org/drawingml/2006/diagram">
+            <dgm:relIds xmlns:dgm="http://schemas.openxmlformats.org/drawingml/2006/diagram" xmlns:r="http://schemas.openxmlformats.org/officeDocument/2006/relationships" r:dm="rId3" r:lo="rId4" r:qs="rId5" r:cs="rId6"/>
+          </a:graphicData>
+        </a:graphic>
+      </p:graphicFrame>
+    </p:spTree>
+    <p:extLst>
+      <p:ext uri="{BB962C8B-B14F-4D97-AF65-F5344CB8AC3E}">
+        <p14:creationId xmlns:p14="http://schemas.microsoft.com/office/powerpoint/2010/main" val="1579741508"/>
+      </p:ext>
+    </p:extLst>
+  </p:cSld>
+  <p:clrMapOvr>
+    <a:masterClrMapping/>
+  </p:clrMapOvr>
+</p:sld>
+</file>
+
+<file path=ppt/slides/slide7.xml><?xml version="1.0" encoding="utf-8"?>
+<p:sld xmlns:a="http://schemas.openxmlformats.org/drawingml/2006/main" xmlns:r="http://schemas.openxmlformats.org/officeDocument/2006/relationships" xmlns:p="http://schemas.openxmlformats.org/presentationml/2006/main">
+  <p:cSld>
     <p:spTree>
       <p:nvGrpSpPr>
         <p:cNvPr id="1" name=""/>
@@ -24465,7 +24769,249 @@
           <a:p>
             <a:r>
               <a:rPr lang="en-US" dirty="0"/>
-              <a:t>Magnetic Force</a:t>
+              <a:t>Mechanical Model</a:t>
+            </a:r>
+          </a:p>
+        </p:txBody>
+      </p:sp>
+      <p:pic>
+        <p:nvPicPr>
+          <p:cNvPr id="6" name="Content Placeholder 5" descr="Diagram, schematic&#10;&#10;Description automatically generated">
+            <a:extLst>
+              <a:ext uri="{FF2B5EF4-FFF2-40B4-BE49-F238E27FC236}">
+                <a16:creationId xmlns:a16="http://schemas.microsoft.com/office/drawing/2014/main" id="{11649FE3-C341-9A21-5397-D2FE9BAE97C6}"/>
+              </a:ext>
+            </a:extLst>
+          </p:cNvPr>
+          <p:cNvPicPr>
+            <a:picLocks noGrp="1" noChangeAspect="1"/>
+          </p:cNvPicPr>
+          <p:nvPr>
+            <p:ph sz="half" idx="1"/>
+          </p:nvPr>
+        </p:nvPicPr>
+        <p:blipFill>
+          <a:blip r:embed="rId2"/>
+          <a:stretch>
+            <a:fillRect/>
+          </a:stretch>
+        </p:blipFill>
+        <p:spPr>
+          <a:xfrm>
+            <a:off x="1256166" y="3283287"/>
+            <a:ext cx="1819275" cy="1657350"/>
+          </a:xfrm>
+        </p:spPr>
+      </p:pic>
+      <p:pic>
+        <p:nvPicPr>
+          <p:cNvPr id="15" name="Content Placeholder 14" descr="Chart, line chart&#10;&#10;Description automatically generated">
+            <a:extLst>
+              <a:ext uri="{FF2B5EF4-FFF2-40B4-BE49-F238E27FC236}">
+                <a16:creationId xmlns:a16="http://schemas.microsoft.com/office/drawing/2014/main" id="{CAF1C734-1542-F34F-9170-29DFBBFD3A77}"/>
+              </a:ext>
+            </a:extLst>
+          </p:cNvPr>
+          <p:cNvPicPr>
+            <a:picLocks noGrp="1" noChangeAspect="1"/>
+          </p:cNvPicPr>
+          <p:nvPr>
+            <p:ph sz="half" idx="2"/>
+          </p:nvPr>
+        </p:nvPicPr>
+        <p:blipFill>
+          <a:blip r:embed="rId3"/>
+          <a:stretch>
+            <a:fillRect/>
+          </a:stretch>
+        </p:blipFill>
+        <p:spPr>
+          <a:xfrm>
+            <a:off x="7277100" y="2426039"/>
+            <a:ext cx="4845049" cy="3633787"/>
+          </a:xfrm>
+        </p:spPr>
+      </p:pic>
+      <p:grpSp>
+        <p:nvGrpSpPr>
+          <p:cNvPr id="5" name="Group 4">
+            <a:extLst>
+              <a:ext uri="{FF2B5EF4-FFF2-40B4-BE49-F238E27FC236}">
+                <a16:creationId xmlns:a16="http://schemas.microsoft.com/office/drawing/2014/main" id="{B9FAAC92-49A5-04A8-6607-769454CC8306}"/>
+              </a:ext>
+            </a:extLst>
+          </p:cNvPr>
+          <p:cNvGrpSpPr/>
+          <p:nvPr/>
+        </p:nvGrpSpPr>
+        <p:grpSpPr>
+          <a:xfrm>
+            <a:off x="3632879" y="2532619"/>
+            <a:ext cx="3644221" cy="3289081"/>
+            <a:chOff x="3632879" y="2532619"/>
+            <a:chExt cx="3644221" cy="3289081"/>
+          </a:xfrm>
+        </p:grpSpPr>
+        <p:pic>
+          <p:nvPicPr>
+            <p:cNvPr id="4" name="Picture 3" descr="Text, letter&#10;&#10;Description automatically generated">
+              <a:extLst>
+                <a:ext uri="{FF2B5EF4-FFF2-40B4-BE49-F238E27FC236}">
+                  <a16:creationId xmlns:a16="http://schemas.microsoft.com/office/drawing/2014/main" id="{0487FC9E-4992-0119-06F9-99571A994143}"/>
+                </a:ext>
+              </a:extLst>
+            </p:cNvPr>
+            <p:cNvPicPr>
+              <a:picLocks noChangeAspect="1"/>
+            </p:cNvPicPr>
+            <p:nvPr/>
+          </p:nvPicPr>
+          <p:blipFill>
+            <a:blip r:embed="rId4"/>
+            <a:stretch>
+              <a:fillRect/>
+            </a:stretch>
+          </p:blipFill>
+          <p:spPr>
+            <a:xfrm>
+              <a:off x="3678385" y="2532619"/>
+              <a:ext cx="2978456" cy="1501336"/>
+            </a:xfrm>
+            <a:prstGeom prst="rect">
+              <a:avLst/>
+            </a:prstGeom>
+          </p:spPr>
+        </p:pic>
+        <p:pic>
+          <p:nvPicPr>
+            <p:cNvPr id="20" name="Picture 19">
+              <a:extLst>
+                <a:ext uri="{FF2B5EF4-FFF2-40B4-BE49-F238E27FC236}">
+                  <a16:creationId xmlns:a16="http://schemas.microsoft.com/office/drawing/2014/main" id="{4A600C1B-7A11-7E31-0C6F-A118D7B76734}"/>
+                </a:ext>
+              </a:extLst>
+            </p:cNvPr>
+            <p:cNvPicPr>
+              <a:picLocks noChangeAspect="1"/>
+            </p:cNvPicPr>
+            <p:nvPr/>
+          </p:nvPicPr>
+          <p:blipFill>
+            <a:blip r:embed="rId5"/>
+            <a:stretch>
+              <a:fillRect/>
+            </a:stretch>
+          </p:blipFill>
+          <p:spPr>
+            <a:xfrm>
+              <a:off x="3632879" y="3916700"/>
+              <a:ext cx="1724025" cy="390525"/>
+            </a:xfrm>
+            <a:prstGeom prst="rect">
+              <a:avLst/>
+            </a:prstGeom>
+          </p:spPr>
+        </p:pic>
+        <p:pic>
+          <p:nvPicPr>
+            <p:cNvPr id="22" name="Picture 21">
+              <a:extLst>
+                <a:ext uri="{FF2B5EF4-FFF2-40B4-BE49-F238E27FC236}">
+                  <a16:creationId xmlns:a16="http://schemas.microsoft.com/office/drawing/2014/main" id="{D0227CEC-6766-6E84-6905-BC9895AADFCE}"/>
+                </a:ext>
+              </a:extLst>
+            </p:cNvPr>
+            <p:cNvPicPr>
+              <a:picLocks noChangeAspect="1"/>
+            </p:cNvPicPr>
+            <p:nvPr/>
+          </p:nvPicPr>
+          <p:blipFill>
+            <a:blip r:embed="rId6"/>
+            <a:stretch>
+              <a:fillRect/>
+            </a:stretch>
+          </p:blipFill>
+          <p:spPr>
+            <a:xfrm>
+              <a:off x="3695700" y="4307225"/>
+              <a:ext cx="3581400" cy="1514475"/>
+            </a:xfrm>
+            <a:prstGeom prst="rect">
+              <a:avLst/>
+            </a:prstGeom>
+          </p:spPr>
+        </p:pic>
+      </p:grpSp>
+    </p:spTree>
+    <p:extLst>
+      <p:ext uri="{BB962C8B-B14F-4D97-AF65-F5344CB8AC3E}">
+        <p14:creationId xmlns:p14="http://schemas.microsoft.com/office/powerpoint/2010/main" val="1231162112"/>
+      </p:ext>
+    </p:extLst>
+  </p:cSld>
+  <p:clrMapOvr>
+    <a:masterClrMapping/>
+  </p:clrMapOvr>
+</p:sld>
+</file>
+
+<file path=ppt/slides/slide8.xml><?xml version="1.0" encoding="utf-8"?>
+<p:sld xmlns:a="http://schemas.openxmlformats.org/drawingml/2006/main" xmlns:r="http://schemas.openxmlformats.org/officeDocument/2006/relationships" xmlns:p="http://schemas.openxmlformats.org/presentationml/2006/main">
+  <p:cSld>
+    <p:spTree>
+      <p:nvGrpSpPr>
+        <p:cNvPr id="1" name=""/>
+        <p:cNvGrpSpPr/>
+        <p:nvPr/>
+      </p:nvGrpSpPr>
+      <p:grpSpPr>
+        <a:xfrm>
+          <a:off x="0" y="0"/>
+          <a:ext cx="0" cy="0"/>
+          <a:chOff x="0" y="0"/>
+          <a:chExt cx="0" cy="0"/>
+        </a:xfrm>
+      </p:grpSpPr>
+      <p:sp>
+        <p:nvSpPr>
+          <p:cNvPr id="2" name="Title 1">
+            <a:extLst>
+              <a:ext uri="{FF2B5EF4-FFF2-40B4-BE49-F238E27FC236}">
+                <a16:creationId xmlns:a16="http://schemas.microsoft.com/office/drawing/2014/main" id="{921633EB-7DCB-4DDC-80AF-C885A3EE1245}"/>
+              </a:ext>
+            </a:extLst>
+          </p:cNvPr>
+          <p:cNvSpPr>
+            <a:spLocks noGrp="1"/>
+          </p:cNvSpPr>
+          <p:nvPr>
+            <p:ph type="title"/>
+          </p:nvPr>
+        </p:nvSpPr>
+        <p:spPr/>
+        <p:txBody>
+          <a:bodyPr/>
+          <a:lstStyle/>
+          <a:p>
+            <a:r>
+              <a:rPr lang="en-US" dirty="0"/>
+              <a:t>Magnetic Model</a:t>
+            </a:r>
+            <a:br>
+              <a:rPr lang="en-US" dirty="0"/>
+            </a:br>
+            <a:r>
+              <a:rPr lang="en-US" dirty="0"/>
+              <a:t>Magneto </a:t>
+            </a:r>
+            <a:r>
+              <a:rPr lang="en-US" dirty="0" err="1"/>
+              <a:t>Motıve</a:t>
+            </a:r>
+            <a:r>
+              <a:rPr lang="en-US" dirty="0"/>
+              <a:t> Force</a:t>
             </a:r>
           </a:p>
         </p:txBody>
@@ -24641,7 +25187,7 @@
 </p:sld>
 </file>
 
-<file path=ppt/slides/slide7.xml><?xml version="1.0" encoding="utf-8"?>
+<file path=ppt/slides/slide9.xml><?xml version="1.0" encoding="utf-8"?>
 <p:sld xmlns:a="http://schemas.openxmlformats.org/drawingml/2006/main" xmlns:r="http://schemas.openxmlformats.org/officeDocument/2006/relationships" xmlns:p="http://schemas.openxmlformats.org/presentationml/2006/main">
   <p:cSld>
     <p:spTree>
@@ -24679,6 +25225,13 @@
           <a:bodyPr/>
           <a:lstStyle/>
           <a:p>
+            <a:r>
+              <a:rPr lang="en-US" dirty="0"/>
+              <a:t>Magnetic Model</a:t>
+            </a:r>
+            <a:br>
+              <a:rPr lang="en-US" dirty="0"/>
+            </a:br>
             <a:r>
               <a:rPr lang="en-US" dirty="0"/>
               <a:t>Computing Magnetic Reluctance</a:t>
@@ -24799,396 +25352,6 @@
     <p:extLst>
       <p:ext uri="{BB962C8B-B14F-4D97-AF65-F5344CB8AC3E}">
         <p14:creationId xmlns:p14="http://schemas.microsoft.com/office/powerpoint/2010/main" val="4261455678"/>
-      </p:ext>
-    </p:extLst>
-  </p:cSld>
-  <p:clrMapOvr>
-    <a:masterClrMapping/>
-  </p:clrMapOvr>
-</p:sld>
-</file>
-
-<file path=ppt/slides/slide8.xml><?xml version="1.0" encoding="utf-8"?>
-<p:sld xmlns:a="http://schemas.openxmlformats.org/drawingml/2006/main" xmlns:r="http://schemas.openxmlformats.org/officeDocument/2006/relationships" xmlns:p="http://schemas.openxmlformats.org/presentationml/2006/main">
-  <p:cSld>
-    <p:spTree>
-      <p:nvGrpSpPr>
-        <p:cNvPr id="1" name=""/>
-        <p:cNvGrpSpPr/>
-        <p:nvPr/>
-      </p:nvGrpSpPr>
-      <p:grpSpPr>
-        <a:xfrm>
-          <a:off x="0" y="0"/>
-          <a:ext cx="0" cy="0"/>
-          <a:chOff x="0" y="0"/>
-          <a:chExt cx="0" cy="0"/>
-        </a:xfrm>
-      </p:grpSpPr>
-      <p:sp>
-        <p:nvSpPr>
-          <p:cNvPr id="2" name="Title 1">
-            <a:extLst>
-              <a:ext uri="{FF2B5EF4-FFF2-40B4-BE49-F238E27FC236}">
-                <a16:creationId xmlns:a16="http://schemas.microsoft.com/office/drawing/2014/main" id="{921633EB-7DCB-4DDC-80AF-C885A3EE1245}"/>
-              </a:ext>
-            </a:extLst>
-          </p:cNvPr>
-          <p:cNvSpPr>
-            <a:spLocks noGrp="1"/>
-          </p:cNvSpPr>
-          <p:nvPr>
-            <p:ph type="title"/>
-          </p:nvPr>
-        </p:nvSpPr>
-        <p:spPr/>
-        <p:txBody>
-          <a:bodyPr/>
-          <a:lstStyle/>
-          <a:p>
-            <a:r>
-              <a:rPr lang="en-US" dirty="0"/>
-              <a:t>Computing Magnetic Reluctance (CONT.)</a:t>
-            </a:r>
-          </a:p>
-        </p:txBody>
-      </p:sp>
-      <p:pic>
-        <p:nvPicPr>
-          <p:cNvPr id="6" name="Content Placeholder 5" descr="Chart, diagram&#10;&#10;Description automatically generated">
-            <a:extLst>
-              <a:ext uri="{FF2B5EF4-FFF2-40B4-BE49-F238E27FC236}">
-                <a16:creationId xmlns:a16="http://schemas.microsoft.com/office/drawing/2014/main" id="{8B580889-4802-10A7-5E4D-7F78EFE1F238}"/>
-              </a:ext>
-            </a:extLst>
-          </p:cNvPr>
-          <p:cNvPicPr>
-            <a:picLocks noGrp="1" noChangeAspect="1"/>
-          </p:cNvPicPr>
-          <p:nvPr>
-            <p:ph sz="half" idx="1"/>
-          </p:nvPr>
-        </p:nvPicPr>
-        <p:blipFill>
-          <a:blip r:embed="rId2"/>
-          <a:stretch>
-            <a:fillRect/>
-          </a:stretch>
-        </p:blipFill>
-        <p:spPr>
-          <a:xfrm>
-            <a:off x="1212784" y="1895191"/>
-            <a:ext cx="3290954" cy="4936433"/>
-          </a:xfrm>
-        </p:spPr>
-      </p:pic>
-      <p:sp>
-        <p:nvSpPr>
-          <p:cNvPr id="8" name="Content Placeholder 7">
-            <a:extLst>
-              <a:ext uri="{FF2B5EF4-FFF2-40B4-BE49-F238E27FC236}">
-                <a16:creationId xmlns:a16="http://schemas.microsoft.com/office/drawing/2014/main" id="{69B33CCE-F66C-0A6E-140E-8E96A3FD5889}"/>
-              </a:ext>
-            </a:extLst>
-          </p:cNvPr>
-          <p:cNvSpPr>
-            <a:spLocks noGrp="1"/>
-          </p:cNvSpPr>
-          <p:nvPr>
-            <p:ph sz="half" idx="2"/>
-          </p:nvPr>
-        </p:nvSpPr>
-        <p:spPr>
-          <a:xfrm>
-            <a:off x="6188417" y="2228004"/>
-            <a:ext cx="5422392" cy="988332"/>
-          </a:xfrm>
-        </p:spPr>
-        <p:txBody>
-          <a:bodyPr anchor="t"/>
-          <a:lstStyle/>
-          <a:p>
-            <a:endParaRPr lang="en-US" dirty="0"/>
-          </a:p>
-          <a:p>
-            <a:endParaRPr lang="en-US" dirty="0"/>
-          </a:p>
-        </p:txBody>
-      </p:sp>
-      <p:pic>
-        <p:nvPicPr>
-          <p:cNvPr id="4" name="Picture 3">
-            <a:extLst>
-              <a:ext uri="{FF2B5EF4-FFF2-40B4-BE49-F238E27FC236}">
-                <a16:creationId xmlns:a16="http://schemas.microsoft.com/office/drawing/2014/main" id="{91EED445-A755-01F1-58FC-8E7DC6AC11CF}"/>
-              </a:ext>
-            </a:extLst>
-          </p:cNvPr>
-          <p:cNvPicPr>
-            <a:picLocks noChangeAspect="1"/>
-          </p:cNvPicPr>
-          <p:nvPr/>
-        </p:nvPicPr>
-        <p:blipFill>
-          <a:blip r:embed="rId3"/>
-          <a:stretch>
-            <a:fillRect/>
-          </a:stretch>
-        </p:blipFill>
-        <p:spPr>
-          <a:xfrm>
-            <a:off x="5119521" y="1895191"/>
-            <a:ext cx="6010275" cy="1095375"/>
-          </a:xfrm>
-          <a:prstGeom prst="rect">
-            <a:avLst/>
-          </a:prstGeom>
-        </p:spPr>
-      </p:pic>
-      <p:pic>
-        <p:nvPicPr>
-          <p:cNvPr id="12" name="Picture 11">
-            <a:extLst>
-              <a:ext uri="{FF2B5EF4-FFF2-40B4-BE49-F238E27FC236}">
-                <a16:creationId xmlns:a16="http://schemas.microsoft.com/office/drawing/2014/main" id="{44B0099C-B015-E657-62B2-00E76D1FE0FD}"/>
-              </a:ext>
-            </a:extLst>
-          </p:cNvPr>
-          <p:cNvPicPr>
-            <a:picLocks noChangeAspect="1"/>
-          </p:cNvPicPr>
-          <p:nvPr/>
-        </p:nvPicPr>
-        <p:blipFill>
-          <a:blip r:embed="rId4"/>
-          <a:stretch>
-            <a:fillRect/>
-          </a:stretch>
-        </p:blipFill>
-        <p:spPr>
-          <a:xfrm>
-            <a:off x="5119521" y="4804736"/>
-            <a:ext cx="6972300" cy="1990725"/>
-          </a:xfrm>
-          <a:prstGeom prst="rect">
-            <a:avLst/>
-          </a:prstGeom>
-        </p:spPr>
-      </p:pic>
-      <p:pic>
-        <p:nvPicPr>
-          <p:cNvPr id="10" name="Picture 9">
-            <a:extLst>
-              <a:ext uri="{FF2B5EF4-FFF2-40B4-BE49-F238E27FC236}">
-                <a16:creationId xmlns:a16="http://schemas.microsoft.com/office/drawing/2014/main" id="{F3C1F1E3-984B-4923-3A49-2497E5B035E2}"/>
-              </a:ext>
-            </a:extLst>
-          </p:cNvPr>
-          <p:cNvPicPr>
-            <a:picLocks noChangeAspect="1"/>
-          </p:cNvPicPr>
-          <p:nvPr/>
-        </p:nvPicPr>
-        <p:blipFill>
-          <a:blip r:embed="rId5"/>
-          <a:stretch>
-            <a:fillRect/>
-          </a:stretch>
-        </p:blipFill>
-        <p:spPr>
-          <a:xfrm>
-            <a:off x="6719207" y="2844518"/>
-            <a:ext cx="3778538" cy="2109913"/>
-          </a:xfrm>
-          <a:prstGeom prst="rect">
-            <a:avLst/>
-          </a:prstGeom>
-        </p:spPr>
-      </p:pic>
-    </p:spTree>
-    <p:extLst>
-      <p:ext uri="{BB962C8B-B14F-4D97-AF65-F5344CB8AC3E}">
-        <p14:creationId xmlns:p14="http://schemas.microsoft.com/office/powerpoint/2010/main" val="1564269585"/>
-      </p:ext>
-    </p:extLst>
-  </p:cSld>
-  <p:clrMapOvr>
-    <a:masterClrMapping/>
-  </p:clrMapOvr>
-</p:sld>
-</file>
-
-<file path=ppt/slides/slide9.xml><?xml version="1.0" encoding="utf-8"?>
-<p:sld xmlns:a="http://schemas.openxmlformats.org/drawingml/2006/main" xmlns:r="http://schemas.openxmlformats.org/officeDocument/2006/relationships" xmlns:p="http://schemas.openxmlformats.org/presentationml/2006/main">
-  <p:cSld>
-    <p:spTree>
-      <p:nvGrpSpPr>
-        <p:cNvPr id="1" name=""/>
-        <p:cNvGrpSpPr/>
-        <p:nvPr/>
-      </p:nvGrpSpPr>
-      <p:grpSpPr>
-        <a:xfrm>
-          <a:off x="0" y="0"/>
-          <a:ext cx="0" cy="0"/>
-          <a:chOff x="0" y="0"/>
-          <a:chExt cx="0" cy="0"/>
-        </a:xfrm>
-      </p:grpSpPr>
-      <p:pic>
-        <p:nvPicPr>
-          <p:cNvPr id="9" name="Picture 8">
-            <a:extLst>
-              <a:ext uri="{FF2B5EF4-FFF2-40B4-BE49-F238E27FC236}">
-                <a16:creationId xmlns:a16="http://schemas.microsoft.com/office/drawing/2014/main" id="{970D88CA-BEFD-3584-847C-CB54A220251F}"/>
-              </a:ext>
-            </a:extLst>
-          </p:cNvPr>
-          <p:cNvPicPr>
-            <a:picLocks noChangeAspect="1"/>
-          </p:cNvPicPr>
-          <p:nvPr/>
-        </p:nvPicPr>
-        <p:blipFill>
-          <a:blip r:embed="rId2"/>
-          <a:stretch>
-            <a:fillRect/>
-          </a:stretch>
-        </p:blipFill>
-        <p:spPr>
-          <a:xfrm>
-            <a:off x="8598594" y="4223423"/>
-            <a:ext cx="3593406" cy="2608201"/>
-          </a:xfrm>
-          <a:prstGeom prst="rect">
-            <a:avLst/>
-          </a:prstGeom>
-        </p:spPr>
-      </p:pic>
-      <p:sp>
-        <p:nvSpPr>
-          <p:cNvPr id="2" name="Title 1">
-            <a:extLst>
-              <a:ext uri="{FF2B5EF4-FFF2-40B4-BE49-F238E27FC236}">
-                <a16:creationId xmlns:a16="http://schemas.microsoft.com/office/drawing/2014/main" id="{921633EB-7DCB-4DDC-80AF-C885A3EE1245}"/>
-              </a:ext>
-            </a:extLst>
-          </p:cNvPr>
-          <p:cNvSpPr>
-            <a:spLocks noGrp="1"/>
-          </p:cNvSpPr>
-          <p:nvPr>
-            <p:ph type="title"/>
-          </p:nvPr>
-        </p:nvSpPr>
-        <p:spPr/>
-        <p:txBody>
-          <a:bodyPr/>
-          <a:lstStyle/>
-          <a:p>
-            <a:r>
-              <a:rPr lang="en-US" dirty="0"/>
-              <a:t>Computing Magnetic Reluctance (Cont.)</a:t>
-            </a:r>
-          </a:p>
-        </p:txBody>
-      </p:sp>
-      <p:pic>
-        <p:nvPicPr>
-          <p:cNvPr id="6" name="Content Placeholder 5" descr="Chart, diagram&#10;&#10;Description automatically generated">
-            <a:extLst>
-              <a:ext uri="{FF2B5EF4-FFF2-40B4-BE49-F238E27FC236}">
-                <a16:creationId xmlns:a16="http://schemas.microsoft.com/office/drawing/2014/main" id="{8B580889-4802-10A7-5E4D-7F78EFE1F238}"/>
-              </a:ext>
-            </a:extLst>
-          </p:cNvPr>
-          <p:cNvPicPr>
-            <a:picLocks noGrp="1" noChangeAspect="1"/>
-          </p:cNvPicPr>
-          <p:nvPr>
-            <p:ph sz="half" idx="1"/>
-          </p:nvPr>
-        </p:nvPicPr>
-        <p:blipFill>
-          <a:blip r:embed="rId3"/>
-          <a:stretch>
-            <a:fillRect/>
-          </a:stretch>
-        </p:blipFill>
-        <p:spPr>
-          <a:xfrm>
-            <a:off x="1212784" y="1895191"/>
-            <a:ext cx="3290954" cy="4936433"/>
-          </a:xfrm>
-        </p:spPr>
-      </p:pic>
-      <p:sp>
-        <p:nvSpPr>
-          <p:cNvPr id="8" name="Content Placeholder 7">
-            <a:extLst>
-              <a:ext uri="{FF2B5EF4-FFF2-40B4-BE49-F238E27FC236}">
-                <a16:creationId xmlns:a16="http://schemas.microsoft.com/office/drawing/2014/main" id="{69B33CCE-F66C-0A6E-140E-8E96A3FD5889}"/>
-              </a:ext>
-            </a:extLst>
-          </p:cNvPr>
-          <p:cNvSpPr>
-            <a:spLocks noGrp="1"/>
-          </p:cNvSpPr>
-          <p:nvPr>
-            <p:ph sz="half" idx="2"/>
-          </p:nvPr>
-        </p:nvSpPr>
-        <p:spPr>
-          <a:xfrm>
-            <a:off x="6188417" y="2228004"/>
-            <a:ext cx="5422392" cy="988332"/>
-          </a:xfrm>
-        </p:spPr>
-        <p:txBody>
-          <a:bodyPr anchor="t"/>
-          <a:lstStyle/>
-          <a:p>
-            <a:endParaRPr lang="en-US" dirty="0"/>
-          </a:p>
-          <a:p>
-            <a:endParaRPr lang="en-US" dirty="0"/>
-          </a:p>
-        </p:txBody>
-      </p:sp>
-      <p:pic>
-        <p:nvPicPr>
-          <p:cNvPr id="5" name="Picture 4">
-            <a:extLst>
-              <a:ext uri="{FF2B5EF4-FFF2-40B4-BE49-F238E27FC236}">
-                <a16:creationId xmlns:a16="http://schemas.microsoft.com/office/drawing/2014/main" id="{30FB6E61-EF54-64DE-A120-80532AD794B3}"/>
-              </a:ext>
-            </a:extLst>
-          </p:cNvPr>
-          <p:cNvPicPr>
-            <a:picLocks noChangeAspect="1"/>
-          </p:cNvPicPr>
-          <p:nvPr/>
-        </p:nvPicPr>
-        <p:blipFill>
-          <a:blip r:embed="rId4"/>
-          <a:stretch>
-            <a:fillRect/>
-          </a:stretch>
-        </p:blipFill>
-        <p:spPr>
-          <a:xfrm>
-            <a:off x="4621666" y="1984967"/>
-            <a:ext cx="5495925" cy="4143375"/>
-          </a:xfrm>
-          <a:prstGeom prst="rect">
-            <a:avLst/>
-          </a:prstGeom>
-        </p:spPr>
-      </p:pic>
-    </p:spTree>
-    <p:extLst>
-      <p:ext uri="{BB962C8B-B14F-4D97-AF65-F5344CB8AC3E}">
-        <p14:creationId xmlns:p14="http://schemas.microsoft.com/office/powerpoint/2010/main" val="1351225872"/>
       </p:ext>
     </p:extLst>
   </p:cSld>
